--- a/spring_Boot_ppts/SpringBoot Security.pptx
+++ b/spring_Boot_ppts/SpringBoot Security.pptx
@@ -13,14 +13,12 @@
     <p:sldId id="261" r:id="rId7"/>
     <p:sldId id="262" r:id="rId8"/>
     <p:sldId id="265" r:id="rId9"/>
-    <p:sldId id="267" r:id="rId10"/>
-    <p:sldId id="263" r:id="rId11"/>
-    <p:sldId id="264" r:id="rId12"/>
-    <p:sldId id="266" r:id="rId13"/>
-    <p:sldId id="268" r:id="rId14"/>
-    <p:sldId id="269" r:id="rId15"/>
-    <p:sldId id="270" r:id="rId16"/>
-    <p:sldId id="271" r:id="rId17"/>
+    <p:sldId id="272" r:id="rId10"/>
+    <p:sldId id="264" r:id="rId11"/>
+    <p:sldId id="266" r:id="rId12"/>
+    <p:sldId id="268" r:id="rId13"/>
+    <p:sldId id="269" r:id="rId14"/>
+    <p:sldId id="270" r:id="rId15"/>
   </p:sldIdLst>
   <p:sldSz cx="12192000" cy="6858000"/>
   <p:notesSz cx="6858000" cy="9144000"/>
@@ -266,7 +264,7 @@
           <a:p>
             <a:fld id="{B78259C8-0940-464D-B70E-EB4D64C54508}" type="datetimeFigureOut">
               <a:rPr lang="en-IN" smtClean="0"/>
-              <a:t>03-09-2021</a:t>
+              <a:t>24-01-2022</a:t>
             </a:fld>
             <a:endParaRPr lang="en-IN"/>
           </a:p>
@@ -477,7 +475,7 @@
           <a:p>
             <a:fld id="{B78259C8-0940-464D-B70E-EB4D64C54508}" type="datetimeFigureOut">
               <a:rPr lang="en-IN" smtClean="0"/>
-              <a:t>03-09-2021</a:t>
+              <a:t>24-01-2022</a:t>
             </a:fld>
             <a:endParaRPr lang="en-IN"/>
           </a:p>
@@ -692,7 +690,7 @@
           <a:p>
             <a:fld id="{B78259C8-0940-464D-B70E-EB4D64C54508}" type="datetimeFigureOut">
               <a:rPr lang="en-IN" smtClean="0"/>
-              <a:t>03-09-2021</a:t>
+              <a:t>24-01-2022</a:t>
             </a:fld>
             <a:endParaRPr lang="en-IN"/>
           </a:p>
@@ -893,7 +891,7 @@
           <a:p>
             <a:fld id="{B78259C8-0940-464D-B70E-EB4D64C54508}" type="datetimeFigureOut">
               <a:rPr lang="en-IN" smtClean="0"/>
-              <a:t>03-09-2021</a:t>
+              <a:t>24-01-2022</a:t>
             </a:fld>
             <a:endParaRPr lang="en-IN"/>
           </a:p>
@@ -1172,7 +1170,7 @@
           <a:p>
             <a:fld id="{B78259C8-0940-464D-B70E-EB4D64C54508}" type="datetimeFigureOut">
               <a:rPr lang="en-IN" smtClean="0"/>
-              <a:t>03-09-2021</a:t>
+              <a:t>24-01-2022</a:t>
             </a:fld>
             <a:endParaRPr lang="en-IN"/>
           </a:p>
@@ -1440,7 +1438,7 @@
           <a:p>
             <a:fld id="{B78259C8-0940-464D-B70E-EB4D64C54508}" type="datetimeFigureOut">
               <a:rPr lang="en-IN" smtClean="0"/>
-              <a:t>03-09-2021</a:t>
+              <a:t>24-01-2022</a:t>
             </a:fld>
             <a:endParaRPr lang="en-IN"/>
           </a:p>
@@ -1856,7 +1854,7 @@
           <a:p>
             <a:fld id="{B78259C8-0940-464D-B70E-EB4D64C54508}" type="datetimeFigureOut">
               <a:rPr lang="en-IN" smtClean="0"/>
-              <a:t>03-09-2021</a:t>
+              <a:t>24-01-2022</a:t>
             </a:fld>
             <a:endParaRPr lang="en-IN"/>
           </a:p>
@@ -2005,7 +2003,7 @@
           <a:p>
             <a:fld id="{B78259C8-0940-464D-B70E-EB4D64C54508}" type="datetimeFigureOut">
               <a:rPr lang="en-IN" smtClean="0"/>
-              <a:t>03-09-2021</a:t>
+              <a:t>24-01-2022</a:t>
             </a:fld>
             <a:endParaRPr lang="en-IN"/>
           </a:p>
@@ -2131,7 +2129,7 @@
           <a:p>
             <a:fld id="{B78259C8-0940-464D-B70E-EB4D64C54508}" type="datetimeFigureOut">
               <a:rPr lang="en-IN" smtClean="0"/>
-              <a:t>03-09-2021</a:t>
+              <a:t>24-01-2022</a:t>
             </a:fld>
             <a:endParaRPr lang="en-IN"/>
           </a:p>
@@ -2382,7 +2380,7 @@
           <a:p>
             <a:fld id="{B78259C8-0940-464D-B70E-EB4D64C54508}" type="datetimeFigureOut">
               <a:rPr lang="en-IN" smtClean="0"/>
-              <a:t>03-09-2021</a:t>
+              <a:t>24-01-2022</a:t>
             </a:fld>
             <a:endParaRPr lang="en-IN"/>
           </a:p>
@@ -2827,7 +2825,7 @@
           <a:p>
             <a:fld id="{B78259C8-0940-464D-B70E-EB4D64C54508}" type="datetimeFigureOut">
               <a:rPr lang="en-IN" smtClean="0"/>
-              <a:t>03-09-2021</a:t>
+              <a:t>24-01-2022</a:t>
             </a:fld>
             <a:endParaRPr lang="en-IN"/>
           </a:p>
@@ -3154,7 +3152,7 @@
           <a:p>
             <a:fld id="{B78259C8-0940-464D-B70E-EB4D64C54508}" type="datetimeFigureOut">
               <a:rPr lang="en-IN" smtClean="0"/>
-              <a:t>03-09-2021</a:t>
+              <a:t>24-01-2022</a:t>
             </a:fld>
             <a:endParaRPr lang="en-IN"/>
           </a:p>
@@ -3712,7 +3710,7 @@
           <p:cNvPr id="2" name="Rectangle 1">
             <a:extLst>
               <a:ext uri="{FF2B5EF4-FFF2-40B4-BE49-F238E27FC236}">
-                <a16:creationId xmlns:a16="http://schemas.microsoft.com/office/drawing/2014/main" id="{3B93F49C-6D8A-4111-ACD9-9D13F4F2E83A}"/>
+                <a16:creationId xmlns:a16="http://schemas.microsoft.com/office/drawing/2014/main" id="{C2F8D83F-69A8-427B-926C-77EF67CAFC19}"/>
               </a:ext>
             </a:extLst>
           </p:cNvPr>
@@ -3721,36 +3719,131 @@
         </p:nvSpPr>
         <p:spPr>
           <a:xfrm>
-            <a:off x="1950720" y="375920"/>
-            <a:ext cx="7091680" cy="822960"/>
+            <a:off x="172720" y="94179"/>
+            <a:ext cx="6096000" cy="2585323"/>
           </a:xfrm>
           <a:prstGeom prst="rect">
             <a:avLst/>
           </a:prstGeom>
         </p:spPr>
-        <p:style>
-          <a:lnRef idx="2">
-            <a:schemeClr val="accent6"/>
-          </a:lnRef>
-          <a:fillRef idx="1">
-            <a:schemeClr val="lt1"/>
-          </a:fillRef>
-          <a:effectRef idx="0">
-            <a:schemeClr val="accent6"/>
-          </a:effectRef>
-          <a:fontRef idx="minor">
-            <a:schemeClr val="dk1"/>
-          </a:fontRef>
-        </p:style>
-        <p:txBody>
-          <a:bodyPr rtlCol="0" anchor="ctr"/>
+        <p:txBody>
+          <a:bodyPr>
+            <a:spAutoFit/>
+          </a:bodyPr>
           <a:lstStyle/>
           <a:p>
-            <a:pPr algn="ctr"/>
-            <a:r>
-              <a:rPr lang="en-IN" dirty="0"/>
-              <a:t>Method Level Security</a:t>
-            </a:r>
+            <a:r>
+              <a:rPr lang="en-IN" dirty="0">
+                <a:solidFill>
+                  <a:srgbClr val="6C6C6C"/>
+                </a:solidFill>
+                <a:latin typeface="Arial" panose="020B0604020202020204" pitchFamily="34" charset="0"/>
+              </a:rPr>
+              <a:t>OAuth (Open Authorization) is an open standard for </a:t>
+            </a:r>
+            <a:r>
+              <a:rPr lang="en-IN" u="sng" dirty="0">
+                <a:solidFill>
+                  <a:srgbClr val="00B3AC"/>
+                </a:solidFill>
+                <a:latin typeface="Arial" panose="020B0604020202020204" pitchFamily="34" charset="0"/>
+                <a:hlinkClick r:id="rId2"/>
+              </a:rPr>
+              <a:t>token</a:t>
+            </a:r>
+            <a:r>
+              <a:rPr lang="en-IN" dirty="0">
+                <a:solidFill>
+                  <a:srgbClr val="6C6C6C"/>
+                </a:solidFill>
+                <a:latin typeface="Arial" panose="020B0604020202020204" pitchFamily="34" charset="0"/>
+              </a:rPr>
+              <a:t>-based </a:t>
+            </a:r>
+            <a:r>
+              <a:rPr lang="en-IN" u="sng" dirty="0">
+                <a:solidFill>
+                  <a:srgbClr val="00B3AC"/>
+                </a:solidFill>
+                <a:latin typeface="Arial" panose="020B0604020202020204" pitchFamily="34" charset="0"/>
+                <a:hlinkClick r:id="rId3"/>
+              </a:rPr>
+              <a:t>authentication</a:t>
+            </a:r>
+            <a:r>
+              <a:rPr lang="en-IN" dirty="0">
+                <a:solidFill>
+                  <a:srgbClr val="6C6C6C"/>
+                </a:solidFill>
+                <a:latin typeface="Arial" panose="020B0604020202020204" pitchFamily="34" charset="0"/>
+              </a:rPr>
+              <a:t> and </a:t>
+            </a:r>
+            <a:r>
+              <a:rPr lang="en-IN" u="sng" dirty="0">
+                <a:solidFill>
+                  <a:srgbClr val="00B3AC"/>
+                </a:solidFill>
+                <a:latin typeface="Arial" panose="020B0604020202020204" pitchFamily="34" charset="0"/>
+                <a:hlinkClick r:id="rId4"/>
+              </a:rPr>
+              <a:t>authorization</a:t>
+            </a:r>
+            <a:r>
+              <a:rPr lang="en-IN" dirty="0">
+                <a:solidFill>
+                  <a:srgbClr val="6C6C6C"/>
+                </a:solidFill>
+                <a:latin typeface="Arial" panose="020B0604020202020204" pitchFamily="34" charset="0"/>
+              </a:rPr>
+              <a:t> on the Internet.</a:t>
+            </a:r>
+          </a:p>
+          <a:p>
+            <a:r>
+              <a:rPr lang="en-IN" dirty="0">
+                <a:solidFill>
+                  <a:srgbClr val="6C6C6C"/>
+                </a:solidFill>
+                <a:latin typeface="Arial" panose="020B0604020202020204" pitchFamily="34" charset="0"/>
+              </a:rPr>
+              <a:t>OAuth, which is pronounced "oh-auth," allows an end user's account information to be used by third-party services, such as Facebook, without exposing the user's password. OAuth acts as an intermediary on behalf of the end user, providing the service with an access </a:t>
+            </a:r>
+            <a:r>
+              <a:rPr lang="en-IN" u="sng" dirty="0">
+                <a:solidFill>
+                  <a:srgbClr val="00B3AC"/>
+                </a:solidFill>
+                <a:latin typeface="Arial" panose="020B0604020202020204" pitchFamily="34" charset="0"/>
+                <a:hlinkClick r:id="rId2"/>
+              </a:rPr>
+              <a:t>token</a:t>
+            </a:r>
+            <a:r>
+              <a:rPr lang="en-IN" dirty="0">
+                <a:solidFill>
+                  <a:srgbClr val="6C6C6C"/>
+                </a:solidFill>
+                <a:latin typeface="Arial" panose="020B0604020202020204" pitchFamily="34" charset="0"/>
+              </a:rPr>
+              <a:t> that authorizes specific account information to be shared. The process for obtaining the token is called a </a:t>
+            </a:r>
+            <a:r>
+              <a:rPr lang="en-IN" i="1" dirty="0">
+                <a:solidFill>
+                  <a:srgbClr val="6C6C6C"/>
+                </a:solidFill>
+                <a:latin typeface="Arial" panose="020B0604020202020204" pitchFamily="34" charset="0"/>
+              </a:rPr>
+              <a:t>flow.</a:t>
+            </a:r>
+            <a:endParaRPr lang="en-IN" b="0" i="0" dirty="0">
+              <a:solidFill>
+                <a:srgbClr val="6C6C6C"/>
+              </a:solidFill>
+              <a:effectLst/>
+              <a:latin typeface="Arial" panose="020B0604020202020204" pitchFamily="34" charset="0"/>
+            </a:endParaRPr>
           </a:p>
         </p:txBody>
       </p:sp>
@@ -3759,7 +3852,7 @@
           <p:cNvPr id="3" name="Rectangle 2">
             <a:extLst>
               <a:ext uri="{FF2B5EF4-FFF2-40B4-BE49-F238E27FC236}">
-                <a16:creationId xmlns:a16="http://schemas.microsoft.com/office/drawing/2014/main" id="{6CD1B695-C320-4F69-8F9C-D29A7860B149}"/>
+                <a16:creationId xmlns:a16="http://schemas.microsoft.com/office/drawing/2014/main" id="{A312B1D0-93C6-40CF-B36A-313FC047DB41}"/>
               </a:ext>
             </a:extLst>
           </p:cNvPr>
@@ -3768,15 +3861,15 @@
         </p:nvSpPr>
         <p:spPr>
           <a:xfrm>
-            <a:off x="589280" y="1039565"/>
-            <a:ext cx="6441440" cy="5632311"/>
+            <a:off x="873760" y="3167856"/>
+            <a:ext cx="6096000" cy="1477328"/>
           </a:xfrm>
           <a:prstGeom prst="rect">
             <a:avLst/>
           </a:prstGeom>
         </p:spPr>
         <p:txBody>
-          <a:bodyPr wrap="square">
+          <a:bodyPr>
             <a:spAutoFit/>
           </a:bodyPr>
           <a:lstStyle/>
@@ -3784,565 +3877,11 @@
             <a:r>
               <a:rPr lang="en-IN" dirty="0">
                 <a:solidFill>
-                  <a:srgbClr val="646464"/>
-                </a:solidFill>
-                <a:latin typeface="Consolas" panose="020B0609020204030204" pitchFamily="49" charset="0"/>
-              </a:rPr>
-              <a:t>@Controller</a:t>
-            </a:r>
-          </a:p>
-          <a:p>
-            <a:r>
-              <a:rPr lang="en-IN" b="1" dirty="0">
-                <a:solidFill>
-                  <a:srgbClr val="7F0055"/>
-                </a:solidFill>
-                <a:latin typeface="Consolas" panose="020B0609020204030204" pitchFamily="49" charset="0"/>
-              </a:rPr>
-              <a:t>public</a:t>
-            </a:r>
-            <a:r>
-              <a:rPr lang="en-IN" b="1" dirty="0">
-                <a:solidFill>
-                  <a:srgbClr val="000000"/>
-                </a:solidFill>
-                <a:latin typeface="Consolas" panose="020B0609020204030204" pitchFamily="49" charset="0"/>
-              </a:rPr>
-              <a:t> </a:t>
-            </a:r>
-            <a:r>
-              <a:rPr lang="en-IN" b="1" dirty="0">
-                <a:solidFill>
-                  <a:srgbClr val="7F0055"/>
-                </a:solidFill>
-                <a:latin typeface="Consolas" panose="020B0609020204030204" pitchFamily="49" charset="0"/>
-              </a:rPr>
-              <a:t>class</a:t>
-            </a:r>
-            <a:r>
-              <a:rPr lang="en-IN" b="1" dirty="0">
-                <a:solidFill>
-                  <a:srgbClr val="000000"/>
-                </a:solidFill>
-                <a:latin typeface="Consolas" panose="020B0609020204030204" pitchFamily="49" charset="0"/>
-              </a:rPr>
-              <a:t> </a:t>
-            </a:r>
-            <a:r>
-              <a:rPr lang="en-IN" b="1" dirty="0" err="1">
-                <a:solidFill>
-                  <a:srgbClr val="000000"/>
-                </a:solidFill>
-                <a:latin typeface="Consolas" panose="020B0609020204030204" pitchFamily="49" charset="0"/>
-              </a:rPr>
-              <a:t>Securitycontroller</a:t>
-            </a:r>
-            <a:r>
-              <a:rPr lang="en-IN" b="1" dirty="0">
-                <a:solidFill>
-                  <a:srgbClr val="000000"/>
-                </a:solidFill>
-                <a:latin typeface="Consolas" panose="020B0609020204030204" pitchFamily="49" charset="0"/>
-              </a:rPr>
-              <a:t> {</a:t>
-            </a:r>
-          </a:p>
-          <a:p>
-            <a:endParaRPr lang="en-IN" dirty="0">
-              <a:latin typeface="Consolas" panose="020B0609020204030204" pitchFamily="49" charset="0"/>
-            </a:endParaRPr>
-          </a:p>
-          <a:p>
-            <a:r>
-              <a:rPr lang="en-IN" dirty="0">
-                <a:solidFill>
-                  <a:srgbClr val="646464"/>
-                </a:solidFill>
-                <a:latin typeface="Consolas" panose="020B0609020204030204" pitchFamily="49" charset="0"/>
-              </a:rPr>
-              <a:t>@</a:t>
-            </a:r>
-            <a:r>
-              <a:rPr lang="en-IN" dirty="0" err="1">
-                <a:solidFill>
-                  <a:srgbClr val="646464"/>
-                </a:solidFill>
-                <a:latin typeface="Consolas" panose="020B0609020204030204" pitchFamily="49" charset="0"/>
-              </a:rPr>
-              <a:t>PreAuthorize</a:t>
-            </a:r>
-            <a:r>
-              <a:rPr lang="en-IN" dirty="0">
-                <a:solidFill>
-                  <a:srgbClr val="000000"/>
-                </a:solidFill>
-                <a:latin typeface="Consolas" panose="020B0609020204030204" pitchFamily="49" charset="0"/>
-              </a:rPr>
-              <a:t>(</a:t>
-            </a:r>
-            <a:r>
-              <a:rPr lang="en-IN" dirty="0">
-                <a:solidFill>
-                  <a:srgbClr val="2A00FF"/>
-                </a:solidFill>
-                <a:latin typeface="Consolas" panose="020B0609020204030204" pitchFamily="49" charset="0"/>
-              </a:rPr>
-              <a:t>"</a:t>
-            </a:r>
-            <a:r>
-              <a:rPr lang="en-IN" dirty="0" err="1">
-                <a:solidFill>
-                  <a:srgbClr val="2A00FF"/>
-                </a:solidFill>
-                <a:latin typeface="Consolas" panose="020B0609020204030204" pitchFamily="49" charset="0"/>
-              </a:rPr>
-              <a:t>hasRole</a:t>
-            </a:r>
-            <a:r>
-              <a:rPr lang="en-IN" dirty="0">
-                <a:solidFill>
-                  <a:srgbClr val="2A00FF"/>
-                </a:solidFill>
-                <a:latin typeface="Consolas" panose="020B0609020204030204" pitchFamily="49" charset="0"/>
-              </a:rPr>
-              <a:t>('ROLE_ADMIN')"</a:t>
-            </a:r>
-            <a:r>
-              <a:rPr lang="en-IN" dirty="0">
-                <a:solidFill>
-                  <a:srgbClr val="000000"/>
-                </a:solidFill>
-                <a:latin typeface="Consolas" panose="020B0609020204030204" pitchFamily="49" charset="0"/>
-              </a:rPr>
-              <a:t>)</a:t>
-            </a:r>
-          </a:p>
-          <a:p>
-            <a:r>
-              <a:rPr lang="en-IN" dirty="0">
-                <a:solidFill>
-                  <a:srgbClr val="646464"/>
-                </a:solidFill>
-                <a:latin typeface="Consolas" panose="020B0609020204030204" pitchFamily="49" charset="0"/>
-              </a:rPr>
-              <a:t>@</a:t>
-            </a:r>
-            <a:r>
-              <a:rPr lang="en-IN" dirty="0" err="1">
-                <a:solidFill>
-                  <a:srgbClr val="646464"/>
-                </a:solidFill>
-                <a:latin typeface="Consolas" panose="020B0609020204030204" pitchFamily="49" charset="0"/>
-              </a:rPr>
-              <a:t>GetMapping</a:t>
-            </a:r>
-            <a:r>
-              <a:rPr lang="en-IN" dirty="0">
-                <a:solidFill>
-                  <a:srgbClr val="000000"/>
-                </a:solidFill>
-                <a:latin typeface="Consolas" panose="020B0609020204030204" pitchFamily="49" charset="0"/>
-              </a:rPr>
-              <a:t>(</a:t>
-            </a:r>
-            <a:r>
-              <a:rPr lang="en-IN" dirty="0">
-                <a:solidFill>
-                  <a:srgbClr val="2A00FF"/>
-                </a:solidFill>
-                <a:latin typeface="Consolas" panose="020B0609020204030204" pitchFamily="49" charset="0"/>
-              </a:rPr>
-              <a:t>"/access"</a:t>
-            </a:r>
-            <a:r>
-              <a:rPr lang="en-IN" dirty="0">
-                <a:solidFill>
-                  <a:srgbClr val="000000"/>
-                </a:solidFill>
-                <a:latin typeface="Consolas" panose="020B0609020204030204" pitchFamily="49" charset="0"/>
-              </a:rPr>
-              <a:t>)</a:t>
-            </a:r>
-          </a:p>
-          <a:p>
-            <a:r>
-              <a:rPr lang="en-IN" dirty="0">
-                <a:solidFill>
-                  <a:srgbClr val="646464"/>
-                </a:solidFill>
-                <a:latin typeface="Consolas" panose="020B0609020204030204" pitchFamily="49" charset="0"/>
-              </a:rPr>
-              <a:t>@</a:t>
-            </a:r>
-            <a:r>
-              <a:rPr lang="en-IN" dirty="0" err="1">
-                <a:solidFill>
-                  <a:srgbClr val="646464"/>
-                </a:solidFill>
-                <a:latin typeface="Consolas" panose="020B0609020204030204" pitchFamily="49" charset="0"/>
-              </a:rPr>
-              <a:t>ResponseBody</a:t>
-            </a:r>
-            <a:endParaRPr lang="en-IN" dirty="0">
-              <a:solidFill>
-                <a:srgbClr val="646464"/>
-              </a:solidFill>
-              <a:latin typeface="Consolas" panose="020B0609020204030204" pitchFamily="49" charset="0"/>
-            </a:endParaRPr>
-          </a:p>
-          <a:p>
-            <a:r>
-              <a:rPr lang="en-IN" b="1" dirty="0">
-                <a:solidFill>
-                  <a:srgbClr val="7F0055"/>
-                </a:solidFill>
-                <a:latin typeface="Consolas" panose="020B0609020204030204" pitchFamily="49" charset="0"/>
-              </a:rPr>
-              <a:t>public</a:t>
-            </a:r>
-            <a:r>
-              <a:rPr lang="en-IN" b="1" dirty="0">
-                <a:solidFill>
-                  <a:srgbClr val="000000"/>
-                </a:solidFill>
-                <a:latin typeface="Consolas" panose="020B0609020204030204" pitchFamily="49" charset="0"/>
-              </a:rPr>
-              <a:t> String </a:t>
-            </a:r>
-            <a:r>
-              <a:rPr lang="en-IN" b="1" dirty="0" err="1">
-                <a:solidFill>
-                  <a:srgbClr val="000000"/>
-                </a:solidFill>
-                <a:latin typeface="Consolas" panose="020B0609020204030204" pitchFamily="49" charset="0"/>
-              </a:rPr>
-              <a:t>getAccess</a:t>
-            </a:r>
-            <a:r>
-              <a:rPr lang="en-IN" b="1" dirty="0">
-                <a:solidFill>
-                  <a:srgbClr val="000000"/>
-                </a:solidFill>
-                <a:latin typeface="Consolas" panose="020B0609020204030204" pitchFamily="49" charset="0"/>
-              </a:rPr>
-              <a:t>()</a:t>
-            </a:r>
-          </a:p>
-          <a:p>
-            <a:r>
-              <a:rPr lang="en-IN" dirty="0">
-                <a:solidFill>
-                  <a:srgbClr val="000000"/>
-                </a:solidFill>
-                <a:latin typeface="Consolas" panose="020B0609020204030204" pitchFamily="49" charset="0"/>
-              </a:rPr>
-              <a:t>{</a:t>
-            </a:r>
-          </a:p>
-          <a:p>
-            <a:r>
-              <a:rPr lang="en-IN" b="1" dirty="0">
-                <a:solidFill>
-                  <a:srgbClr val="7F0055"/>
-                </a:solidFill>
-                <a:latin typeface="Consolas" panose="020B0609020204030204" pitchFamily="49" charset="0"/>
-              </a:rPr>
-              <a:t>return</a:t>
-            </a:r>
-            <a:r>
-              <a:rPr lang="en-IN" b="1" dirty="0">
-                <a:solidFill>
-                  <a:srgbClr val="000000"/>
-                </a:solidFill>
-                <a:latin typeface="Consolas" panose="020B0609020204030204" pitchFamily="49" charset="0"/>
-              </a:rPr>
-              <a:t>  </a:t>
-            </a:r>
-            <a:r>
-              <a:rPr lang="en-IN" b="1" dirty="0">
-                <a:solidFill>
-                  <a:srgbClr val="2A00FF"/>
-                </a:solidFill>
-                <a:latin typeface="Consolas" panose="020B0609020204030204" pitchFamily="49" charset="0"/>
-              </a:rPr>
-              <a:t>"Restricted method"</a:t>
-            </a:r>
-            <a:r>
-              <a:rPr lang="en-IN" b="1" dirty="0">
-                <a:solidFill>
-                  <a:srgbClr val="000000"/>
-                </a:solidFill>
-                <a:latin typeface="Consolas" panose="020B0609020204030204" pitchFamily="49" charset="0"/>
-              </a:rPr>
-              <a:t>;</a:t>
-            </a:r>
-          </a:p>
-          <a:p>
-            <a:r>
-              <a:rPr lang="en-IN" dirty="0">
-                <a:solidFill>
-                  <a:srgbClr val="000000"/>
-                </a:solidFill>
-                <a:latin typeface="Consolas" panose="020B0609020204030204" pitchFamily="49" charset="0"/>
-              </a:rPr>
-              <a:t>}</a:t>
-            </a:r>
-          </a:p>
-          <a:p>
-            <a:endParaRPr lang="en-IN" dirty="0">
-              <a:latin typeface="Consolas" panose="020B0609020204030204" pitchFamily="49" charset="0"/>
-            </a:endParaRPr>
-          </a:p>
-          <a:p>
-            <a:r>
-              <a:rPr lang="en-IN" dirty="0">
-                <a:solidFill>
-                  <a:srgbClr val="646464"/>
-                </a:solidFill>
-                <a:latin typeface="Consolas" panose="020B0609020204030204" pitchFamily="49" charset="0"/>
-              </a:rPr>
-              <a:t>@</a:t>
-            </a:r>
-            <a:r>
-              <a:rPr lang="en-IN" dirty="0" err="1">
-                <a:solidFill>
-                  <a:srgbClr val="646464"/>
-                </a:solidFill>
-                <a:latin typeface="Consolas" panose="020B0609020204030204" pitchFamily="49" charset="0"/>
-              </a:rPr>
-              <a:t>PreAuthorize</a:t>
-            </a:r>
-            <a:r>
-              <a:rPr lang="en-IN" dirty="0">
-                <a:solidFill>
-                  <a:srgbClr val="000000"/>
-                </a:solidFill>
-                <a:latin typeface="Consolas" panose="020B0609020204030204" pitchFamily="49" charset="0"/>
-              </a:rPr>
-              <a:t>(</a:t>
-            </a:r>
-            <a:r>
-              <a:rPr lang="en-IN" dirty="0">
-                <a:solidFill>
-                  <a:srgbClr val="2A00FF"/>
-                </a:solidFill>
-                <a:latin typeface="Consolas" panose="020B0609020204030204" pitchFamily="49" charset="0"/>
-              </a:rPr>
-              <a:t>"</a:t>
-            </a:r>
-            <a:r>
-              <a:rPr lang="en-IN" dirty="0" err="1">
-                <a:solidFill>
-                  <a:srgbClr val="2A00FF"/>
-                </a:solidFill>
-                <a:latin typeface="Consolas" panose="020B0609020204030204" pitchFamily="49" charset="0"/>
-              </a:rPr>
-              <a:t>hasRole</a:t>
-            </a:r>
-            <a:r>
-              <a:rPr lang="en-IN" dirty="0">
-                <a:solidFill>
-                  <a:srgbClr val="2A00FF"/>
-                </a:solidFill>
-                <a:latin typeface="Consolas" panose="020B0609020204030204" pitchFamily="49" charset="0"/>
-              </a:rPr>
-              <a:t>('ROLE_USER')"</a:t>
-            </a:r>
-            <a:r>
-              <a:rPr lang="en-IN" dirty="0">
-                <a:solidFill>
-                  <a:srgbClr val="000000"/>
-                </a:solidFill>
-                <a:latin typeface="Consolas" panose="020B0609020204030204" pitchFamily="49" charset="0"/>
-              </a:rPr>
-              <a:t>)</a:t>
-            </a:r>
-          </a:p>
-          <a:p>
-            <a:r>
-              <a:rPr lang="en-IN" dirty="0">
-                <a:solidFill>
-                  <a:srgbClr val="646464"/>
-                </a:solidFill>
-                <a:latin typeface="Consolas" panose="020B0609020204030204" pitchFamily="49" charset="0"/>
-              </a:rPr>
-              <a:t>@</a:t>
-            </a:r>
-            <a:r>
-              <a:rPr lang="en-IN" dirty="0" err="1">
-                <a:solidFill>
-                  <a:srgbClr val="646464"/>
-                </a:solidFill>
-                <a:latin typeface="Consolas" panose="020B0609020204030204" pitchFamily="49" charset="0"/>
-              </a:rPr>
-              <a:t>GetMapping</a:t>
-            </a:r>
-            <a:r>
-              <a:rPr lang="en-IN" dirty="0">
-                <a:solidFill>
-                  <a:srgbClr val="000000"/>
-                </a:solidFill>
-                <a:latin typeface="Consolas" panose="020B0609020204030204" pitchFamily="49" charset="0"/>
-              </a:rPr>
-              <a:t>(</a:t>
-            </a:r>
-            <a:r>
-              <a:rPr lang="en-IN" dirty="0">
-                <a:solidFill>
-                  <a:srgbClr val="2A00FF"/>
-                </a:solidFill>
-                <a:latin typeface="Consolas" panose="020B0609020204030204" pitchFamily="49" charset="0"/>
-              </a:rPr>
-              <a:t>"/home"</a:t>
-            </a:r>
-            <a:r>
-              <a:rPr lang="en-IN" dirty="0">
-                <a:solidFill>
-                  <a:srgbClr val="000000"/>
-                </a:solidFill>
-                <a:latin typeface="Consolas" panose="020B0609020204030204" pitchFamily="49" charset="0"/>
-              </a:rPr>
-              <a:t>)</a:t>
-            </a:r>
-          </a:p>
-          <a:p>
-            <a:r>
-              <a:rPr lang="en-IN" dirty="0">
-                <a:solidFill>
-                  <a:srgbClr val="646464"/>
-                </a:solidFill>
-                <a:latin typeface="Consolas" panose="020B0609020204030204" pitchFamily="49" charset="0"/>
-              </a:rPr>
-              <a:t>@</a:t>
-            </a:r>
-            <a:r>
-              <a:rPr lang="en-IN" dirty="0" err="1">
-                <a:solidFill>
-                  <a:srgbClr val="646464"/>
-                </a:solidFill>
-                <a:latin typeface="Consolas" panose="020B0609020204030204" pitchFamily="49" charset="0"/>
-              </a:rPr>
-              <a:t>ResponseBody</a:t>
-            </a:r>
-            <a:endParaRPr lang="en-IN" dirty="0">
-              <a:solidFill>
-                <a:srgbClr val="646464"/>
-              </a:solidFill>
-              <a:latin typeface="Consolas" panose="020B0609020204030204" pitchFamily="49" charset="0"/>
-            </a:endParaRPr>
-          </a:p>
-          <a:p>
-            <a:r>
-              <a:rPr lang="en-IN" b="1" dirty="0">
-                <a:solidFill>
-                  <a:srgbClr val="7F0055"/>
-                </a:solidFill>
-                <a:latin typeface="Consolas" panose="020B0609020204030204" pitchFamily="49" charset="0"/>
-              </a:rPr>
-              <a:t>public</a:t>
-            </a:r>
-            <a:r>
-              <a:rPr lang="en-IN" b="1" dirty="0">
-                <a:solidFill>
-                  <a:srgbClr val="000000"/>
-                </a:solidFill>
-                <a:latin typeface="Consolas" panose="020B0609020204030204" pitchFamily="49" charset="0"/>
-              </a:rPr>
-              <a:t> String </a:t>
-            </a:r>
-            <a:r>
-              <a:rPr lang="en-IN" b="1" dirty="0" err="1">
-                <a:solidFill>
-                  <a:srgbClr val="000000"/>
-                </a:solidFill>
-                <a:latin typeface="Consolas" panose="020B0609020204030204" pitchFamily="49" charset="0"/>
-              </a:rPr>
-              <a:t>getAccessUser</a:t>
-            </a:r>
-            <a:r>
-              <a:rPr lang="en-IN" b="1" dirty="0">
-                <a:solidFill>
-                  <a:srgbClr val="000000"/>
-                </a:solidFill>
-                <a:latin typeface="Consolas" panose="020B0609020204030204" pitchFamily="49" charset="0"/>
-              </a:rPr>
-              <a:t>()</a:t>
-            </a:r>
-          </a:p>
-          <a:p>
-            <a:r>
-              <a:rPr lang="en-IN" dirty="0">
-                <a:solidFill>
-                  <a:srgbClr val="000000"/>
-                </a:solidFill>
-                <a:latin typeface="Consolas" panose="020B0609020204030204" pitchFamily="49" charset="0"/>
-              </a:rPr>
-              <a:t>{</a:t>
-            </a:r>
-          </a:p>
-          <a:p>
-            <a:r>
-              <a:rPr lang="en-IN" b="1" dirty="0">
-                <a:solidFill>
-                  <a:srgbClr val="7F0055"/>
-                </a:solidFill>
-                <a:latin typeface="Consolas" panose="020B0609020204030204" pitchFamily="49" charset="0"/>
-              </a:rPr>
-              <a:t>return</a:t>
-            </a:r>
-            <a:r>
-              <a:rPr lang="en-IN" b="1" dirty="0">
-                <a:solidFill>
-                  <a:srgbClr val="000000"/>
-                </a:solidFill>
-                <a:latin typeface="Consolas" panose="020B0609020204030204" pitchFamily="49" charset="0"/>
-              </a:rPr>
-              <a:t>  </a:t>
-            </a:r>
-            <a:r>
-              <a:rPr lang="en-IN" b="1" dirty="0">
-                <a:solidFill>
-                  <a:srgbClr val="2A00FF"/>
-                </a:solidFill>
-                <a:latin typeface="Consolas" panose="020B0609020204030204" pitchFamily="49" charset="0"/>
-              </a:rPr>
-              <a:t>"Home method"</a:t>
-            </a:r>
-            <a:r>
-              <a:rPr lang="en-IN" b="1" dirty="0">
-                <a:solidFill>
-                  <a:srgbClr val="000000"/>
-                </a:solidFill>
-                <a:latin typeface="Consolas" panose="020B0609020204030204" pitchFamily="49" charset="0"/>
-              </a:rPr>
-              <a:t>;</a:t>
-            </a:r>
-          </a:p>
-          <a:p>
-            <a:r>
-              <a:rPr lang="en-IN" dirty="0">
-                <a:solidFill>
-                  <a:srgbClr val="000000"/>
-                </a:solidFill>
-                <a:latin typeface="Consolas" panose="020B0609020204030204" pitchFamily="49" charset="0"/>
-              </a:rPr>
-              <a:t>}</a:t>
-            </a:r>
-          </a:p>
-          <a:p>
-            <a:endParaRPr lang="en-IN" dirty="0">
-              <a:latin typeface="Consolas" panose="020B0609020204030204" pitchFamily="49" charset="0"/>
-            </a:endParaRPr>
-          </a:p>
-          <a:p>
-            <a:r>
-              <a:rPr lang="en-IN" dirty="0">
-                <a:solidFill>
-                  <a:srgbClr val="000000"/>
-                </a:solidFill>
-                <a:latin typeface="Consolas" panose="020B0609020204030204" pitchFamily="49" charset="0"/>
-              </a:rPr>
-              <a:t>}</a:t>
+                  <a:srgbClr val="212234"/>
+                </a:solidFill>
+                <a:latin typeface="proxima-nova"/>
+              </a:rPr>
+              <a:t>OAuth doesn’t share password data but instead uses authorization tokens to prove an identity between consumers and service providers. OAuth is an authentication protocol that allows you to approve one application interacting with another on your behalf without giving away your password.</a:t>
             </a:r>
             <a:endParaRPr lang="en-IN" dirty="0"/>
           </a:p>
@@ -4351,7 +3890,7 @@
     </p:spTree>
     <p:extLst>
       <p:ext uri="{BB962C8B-B14F-4D97-AF65-F5344CB8AC3E}">
-        <p14:creationId xmlns:p14="http://schemas.microsoft.com/office/powerpoint/2010/main" val="4150067784"/>
+        <p14:creationId xmlns:p14="http://schemas.microsoft.com/office/powerpoint/2010/main" val="1202061463"/>
       </p:ext>
     </p:extLst>
   </p:cSld>
@@ -4380,218 +3919,6 @@
       </p:grpSpPr>
       <p:sp>
         <p:nvSpPr>
-          <p:cNvPr id="2" name="Rectangle 1">
-            <a:extLst>
-              <a:ext uri="{FF2B5EF4-FFF2-40B4-BE49-F238E27FC236}">
-                <a16:creationId xmlns:a16="http://schemas.microsoft.com/office/drawing/2014/main" id="{C2F8D83F-69A8-427B-926C-77EF67CAFC19}"/>
-              </a:ext>
-            </a:extLst>
-          </p:cNvPr>
-          <p:cNvSpPr/>
-          <p:nvPr/>
-        </p:nvSpPr>
-        <p:spPr>
-          <a:xfrm>
-            <a:off x="172720" y="94179"/>
-            <a:ext cx="6096000" cy="2585323"/>
-          </a:xfrm>
-          <a:prstGeom prst="rect">
-            <a:avLst/>
-          </a:prstGeom>
-        </p:spPr>
-        <p:txBody>
-          <a:bodyPr>
-            <a:spAutoFit/>
-          </a:bodyPr>
-          <a:lstStyle/>
-          <a:p>
-            <a:r>
-              <a:rPr lang="en-IN" dirty="0">
-                <a:solidFill>
-                  <a:srgbClr val="6C6C6C"/>
-                </a:solidFill>
-                <a:latin typeface="Arial" panose="020B0604020202020204" pitchFamily="34" charset="0"/>
-              </a:rPr>
-              <a:t>OAuth (Open Authorization) is an open standard for </a:t>
-            </a:r>
-            <a:r>
-              <a:rPr lang="en-IN" u="sng" dirty="0">
-                <a:solidFill>
-                  <a:srgbClr val="00B3AC"/>
-                </a:solidFill>
-                <a:latin typeface="Arial" panose="020B0604020202020204" pitchFamily="34" charset="0"/>
-                <a:hlinkClick r:id="rId2"/>
-              </a:rPr>
-              <a:t>token</a:t>
-            </a:r>
-            <a:r>
-              <a:rPr lang="en-IN" dirty="0">
-                <a:solidFill>
-                  <a:srgbClr val="6C6C6C"/>
-                </a:solidFill>
-                <a:latin typeface="Arial" panose="020B0604020202020204" pitchFamily="34" charset="0"/>
-              </a:rPr>
-              <a:t>-based </a:t>
-            </a:r>
-            <a:r>
-              <a:rPr lang="en-IN" u="sng" dirty="0">
-                <a:solidFill>
-                  <a:srgbClr val="00B3AC"/>
-                </a:solidFill>
-                <a:latin typeface="Arial" panose="020B0604020202020204" pitchFamily="34" charset="0"/>
-                <a:hlinkClick r:id="rId3"/>
-              </a:rPr>
-              <a:t>authentication</a:t>
-            </a:r>
-            <a:r>
-              <a:rPr lang="en-IN" dirty="0">
-                <a:solidFill>
-                  <a:srgbClr val="6C6C6C"/>
-                </a:solidFill>
-                <a:latin typeface="Arial" panose="020B0604020202020204" pitchFamily="34" charset="0"/>
-              </a:rPr>
-              <a:t> and </a:t>
-            </a:r>
-            <a:r>
-              <a:rPr lang="en-IN" u="sng" dirty="0">
-                <a:solidFill>
-                  <a:srgbClr val="00B3AC"/>
-                </a:solidFill>
-                <a:latin typeface="Arial" panose="020B0604020202020204" pitchFamily="34" charset="0"/>
-                <a:hlinkClick r:id="rId4"/>
-              </a:rPr>
-              <a:t>authorization</a:t>
-            </a:r>
-            <a:r>
-              <a:rPr lang="en-IN" dirty="0">
-                <a:solidFill>
-                  <a:srgbClr val="6C6C6C"/>
-                </a:solidFill>
-                <a:latin typeface="Arial" panose="020B0604020202020204" pitchFamily="34" charset="0"/>
-              </a:rPr>
-              <a:t> on the Internet.</a:t>
-            </a:r>
-          </a:p>
-          <a:p>
-            <a:r>
-              <a:rPr lang="en-IN" dirty="0">
-                <a:solidFill>
-                  <a:srgbClr val="6C6C6C"/>
-                </a:solidFill>
-                <a:latin typeface="Arial" panose="020B0604020202020204" pitchFamily="34" charset="0"/>
-              </a:rPr>
-              <a:t>OAuth, which is pronounced "oh-auth," allows an end user's account information to be used by third-party services, such as Facebook, without exposing the user's password. OAuth acts as an intermediary on behalf of the end user, providing the service with an access </a:t>
-            </a:r>
-            <a:r>
-              <a:rPr lang="en-IN" u="sng" dirty="0">
-                <a:solidFill>
-                  <a:srgbClr val="00B3AC"/>
-                </a:solidFill>
-                <a:latin typeface="Arial" panose="020B0604020202020204" pitchFamily="34" charset="0"/>
-                <a:hlinkClick r:id="rId2"/>
-              </a:rPr>
-              <a:t>token</a:t>
-            </a:r>
-            <a:r>
-              <a:rPr lang="en-IN" dirty="0">
-                <a:solidFill>
-                  <a:srgbClr val="6C6C6C"/>
-                </a:solidFill>
-                <a:latin typeface="Arial" panose="020B0604020202020204" pitchFamily="34" charset="0"/>
-              </a:rPr>
-              <a:t> that authorizes specific account information to be shared. The process for obtaining the token is called a </a:t>
-            </a:r>
-            <a:r>
-              <a:rPr lang="en-IN" i="1" dirty="0">
-                <a:solidFill>
-                  <a:srgbClr val="6C6C6C"/>
-                </a:solidFill>
-                <a:latin typeface="Arial" panose="020B0604020202020204" pitchFamily="34" charset="0"/>
-              </a:rPr>
-              <a:t>flow.</a:t>
-            </a:r>
-            <a:endParaRPr lang="en-IN" b="0" i="0" dirty="0">
-              <a:solidFill>
-                <a:srgbClr val="6C6C6C"/>
-              </a:solidFill>
-              <a:effectLst/>
-              <a:latin typeface="Arial" panose="020B0604020202020204" pitchFamily="34" charset="0"/>
-            </a:endParaRPr>
-          </a:p>
-        </p:txBody>
-      </p:sp>
-      <p:sp>
-        <p:nvSpPr>
-          <p:cNvPr id="3" name="Rectangle 2">
-            <a:extLst>
-              <a:ext uri="{FF2B5EF4-FFF2-40B4-BE49-F238E27FC236}">
-                <a16:creationId xmlns:a16="http://schemas.microsoft.com/office/drawing/2014/main" id="{A312B1D0-93C6-40CF-B36A-313FC047DB41}"/>
-              </a:ext>
-            </a:extLst>
-          </p:cNvPr>
-          <p:cNvSpPr/>
-          <p:nvPr/>
-        </p:nvSpPr>
-        <p:spPr>
-          <a:xfrm>
-            <a:off x="873760" y="3167856"/>
-            <a:ext cx="6096000" cy="1477328"/>
-          </a:xfrm>
-          <a:prstGeom prst="rect">
-            <a:avLst/>
-          </a:prstGeom>
-        </p:spPr>
-        <p:txBody>
-          <a:bodyPr>
-            <a:spAutoFit/>
-          </a:bodyPr>
-          <a:lstStyle/>
-          <a:p>
-            <a:r>
-              <a:rPr lang="en-IN" dirty="0">
-                <a:solidFill>
-                  <a:srgbClr val="212234"/>
-                </a:solidFill>
-                <a:latin typeface="proxima-nova"/>
-              </a:rPr>
-              <a:t>OAuth doesn’t share password data but instead uses authorization tokens to prove an identity between consumers and service providers. OAuth is an authentication protocol that allows you to approve one application interacting with another on your behalf without giving away your password.</a:t>
-            </a:r>
-            <a:endParaRPr lang="en-IN" dirty="0"/>
-          </a:p>
-        </p:txBody>
-      </p:sp>
-    </p:spTree>
-    <p:extLst>
-      <p:ext uri="{BB962C8B-B14F-4D97-AF65-F5344CB8AC3E}">
-        <p14:creationId xmlns:p14="http://schemas.microsoft.com/office/powerpoint/2010/main" val="1202061463"/>
-      </p:ext>
-    </p:extLst>
-  </p:cSld>
-  <p:clrMapOvr>
-    <a:masterClrMapping/>
-  </p:clrMapOvr>
-</p:sld>
-</file>
-
-<file path=ppt/slides/slide12.xml><?xml version="1.0" encoding="utf-8"?>
-<p:sld xmlns:a="http://schemas.openxmlformats.org/drawingml/2006/main" xmlns:r="http://schemas.openxmlformats.org/officeDocument/2006/relationships" xmlns:p="http://schemas.openxmlformats.org/presentationml/2006/main">
-  <p:cSld>
-    <p:spTree>
-      <p:nvGrpSpPr>
-        <p:cNvPr id="1" name=""/>
-        <p:cNvGrpSpPr/>
-        <p:nvPr/>
-      </p:nvGrpSpPr>
-      <p:grpSpPr>
-        <a:xfrm>
-          <a:off x="0" y="0"/>
-          <a:ext cx="0" cy="0"/>
-          <a:chOff x="0" y="0"/>
-          <a:chExt cx="0" cy="0"/>
-        </a:xfrm>
-      </p:grpSpPr>
-      <p:sp>
-        <p:nvSpPr>
           <p:cNvPr id="2" name="Title 1">
             <a:extLst>
               <a:ext uri="{FF2B5EF4-FFF2-40B4-BE49-F238E27FC236}">
@@ -4761,7 +4088,7 @@
 </p:sld>
 </file>
 
-<file path=ppt/slides/slide13.xml><?xml version="1.0" encoding="utf-8"?>
+<file path=ppt/slides/slide12.xml><?xml version="1.0" encoding="utf-8"?>
 <p:sld xmlns:a="http://schemas.openxmlformats.org/drawingml/2006/main" xmlns:r="http://schemas.openxmlformats.org/officeDocument/2006/relationships" xmlns:p="http://schemas.openxmlformats.org/presentationml/2006/main">
   <p:cSld>
     <p:spTree>
@@ -5329,7 +4656,7 @@
 </p:sld>
 </file>
 
-<file path=ppt/slides/slide14.xml><?xml version="1.0" encoding="utf-8"?>
+<file path=ppt/slides/slide13.xml><?xml version="1.0" encoding="utf-8"?>
 <p:sld xmlns:a="http://schemas.openxmlformats.org/drawingml/2006/main" xmlns:r="http://schemas.openxmlformats.org/officeDocument/2006/relationships" xmlns:p="http://schemas.openxmlformats.org/presentationml/2006/main">
   <p:cSld>
     <p:spTree>
@@ -6081,7 +5408,7 @@
 </p:sld>
 </file>
 
-<file path=ppt/slides/slide15.xml><?xml version="1.0" encoding="utf-8"?>
+<file path=ppt/slides/slide14.xml><?xml version="1.0" encoding="utf-8"?>
 <p:sld xmlns:a="http://schemas.openxmlformats.org/drawingml/2006/main" xmlns:r="http://schemas.openxmlformats.org/officeDocument/2006/relationships" xmlns:p="http://schemas.openxmlformats.org/presentationml/2006/main">
   <p:cSld>
     <p:spTree>
@@ -6231,89 +5558,6 @@
 </p:sld>
 </file>
 
-<file path=ppt/slides/slide16.xml><?xml version="1.0" encoding="utf-8"?>
-<p:sld xmlns:a="http://schemas.openxmlformats.org/drawingml/2006/main" xmlns:r="http://schemas.openxmlformats.org/officeDocument/2006/relationships" xmlns:p="http://schemas.openxmlformats.org/presentationml/2006/main">
-  <p:cSld>
-    <p:spTree>
-      <p:nvGrpSpPr>
-        <p:cNvPr id="1" name=""/>
-        <p:cNvGrpSpPr/>
-        <p:nvPr/>
-      </p:nvGrpSpPr>
-      <p:grpSpPr>
-        <a:xfrm>
-          <a:off x="0" y="0"/>
-          <a:ext cx="0" cy="0"/>
-          <a:chOff x="0" y="0"/>
-          <a:chExt cx="0" cy="0"/>
-        </a:xfrm>
-      </p:grpSpPr>
-      <p:sp>
-        <p:nvSpPr>
-          <p:cNvPr id="2" name="Rectangle 1">
-            <a:extLst>
-              <a:ext uri="{FF2B5EF4-FFF2-40B4-BE49-F238E27FC236}">
-                <a16:creationId xmlns:a16="http://schemas.microsoft.com/office/drawing/2014/main" id="{46138B1C-049E-4A6D-B304-832291C003F6}"/>
-              </a:ext>
-            </a:extLst>
-          </p:cNvPr>
-          <p:cNvSpPr/>
-          <p:nvPr/>
-        </p:nvSpPr>
-        <p:spPr>
-          <a:xfrm>
-            <a:off x="428625" y="428625"/>
-            <a:ext cx="3124200" cy="733425"/>
-          </a:xfrm>
-          <a:prstGeom prst="rect">
-            <a:avLst/>
-          </a:prstGeom>
-        </p:spPr>
-        <p:style>
-          <a:lnRef idx="2">
-            <a:schemeClr val="accent6"/>
-          </a:lnRef>
-          <a:fillRef idx="1">
-            <a:schemeClr val="lt1"/>
-          </a:fillRef>
-          <a:effectRef idx="0">
-            <a:schemeClr val="accent6"/>
-          </a:effectRef>
-          <a:fontRef idx="minor">
-            <a:schemeClr val="dk1"/>
-          </a:fontRef>
-        </p:style>
-        <p:txBody>
-          <a:bodyPr rtlCol="0" anchor="ctr"/>
-          <a:lstStyle/>
-          <a:p>
-            <a:pPr algn="ctr"/>
-            <a:r>
-              <a:rPr lang="en-IN" sz="1800">
-                <a:solidFill>
-                  <a:srgbClr val="000000"/>
-                </a:solidFill>
-                <a:latin typeface="Consolas" panose="020B0609020204030204" pitchFamily="49" charset="0"/>
-              </a:rPr>
-              <a:t>JwtAuthDemoApplication</a:t>
-            </a:r>
-            <a:endParaRPr lang="en-IN"/>
-          </a:p>
-        </p:txBody>
-      </p:sp>
-    </p:spTree>
-    <p:extLst>
-      <p:ext uri="{BB962C8B-B14F-4D97-AF65-F5344CB8AC3E}">
-        <p14:creationId xmlns:p14="http://schemas.microsoft.com/office/powerpoint/2010/main" val="734437319"/>
-      </p:ext>
-    </p:extLst>
-  </p:cSld>
-  <p:clrMapOvr>
-    <a:masterClrMapping/>
-  </p:clrMapOvr>
-</p:sld>
-</file>
-
 <file path=ppt/slides/slide2.xml><?xml version="1.0" encoding="utf-8"?>
 <p:sld xmlns:a="http://schemas.openxmlformats.org/drawingml/2006/main" xmlns:r="http://schemas.openxmlformats.org/officeDocument/2006/relationships" xmlns:p="http://schemas.openxmlformats.org/presentationml/2006/main">
   <p:cSld>
@@ -9263,8 +8507,8 @@
         </p:nvSpPr>
         <p:spPr>
           <a:xfrm>
-            <a:off x="419100" y="600076"/>
-            <a:ext cx="6191251" cy="6186309"/>
+            <a:off x="114300" y="600076"/>
+            <a:ext cx="11544299" cy="5209247"/>
           </a:xfrm>
           <a:prstGeom prst="rect">
             <a:avLst/>
@@ -9276,39 +8520,116 @@
           </a:bodyPr>
           <a:lstStyle/>
           <a:p>
-            <a:r>
-              <a:rPr lang="en-IN" dirty="0"/>
-              <a:t>@</a:t>
-            </a:r>
-            <a:r>
-              <a:rPr lang="en-IN" dirty="0" err="1"/>
-              <a:t>Autowired</a:t>
-            </a:r>
-            <a:endParaRPr lang="en-IN" dirty="0"/>
-          </a:p>
-          <a:p>
-            <a:r>
-              <a:rPr lang="en-IN" b="1" dirty="0"/>
-              <a:t>private </a:t>
-            </a:r>
-            <a:r>
-              <a:rPr lang="en-IN" b="1" dirty="0" err="1"/>
-              <a:t>DataSource</a:t>
-            </a:r>
-            <a:r>
-              <a:rPr lang="en-IN" b="1" dirty="0"/>
+            <a:pPr>
+              <a:lnSpc>
+                <a:spcPct val="107000"/>
+              </a:lnSpc>
+              <a:spcAft>
+                <a:spcPts val="800"/>
+              </a:spcAft>
+            </a:pPr>
+            <a:r>
+              <a:rPr lang="en-IN" sz="1800" dirty="0">
+                <a:solidFill>
+                  <a:srgbClr val="646464"/>
+                </a:solidFill>
+                <a:effectLst/>
+                <a:latin typeface="Consolas" panose="020B0609020204030204" pitchFamily="49" charset="0"/>
+                <a:ea typeface="Calibri" panose="020F0502020204030204" pitchFamily="34" charset="0"/>
+                <a:cs typeface="Consolas" panose="020B0609020204030204" pitchFamily="49" charset="0"/>
+              </a:rPr>
+              <a:t>@Autowired</a:t>
+            </a:r>
+            <a:r>
+              <a:rPr lang="en-IN" dirty="0">
+                <a:latin typeface="Calibri" panose="020F0502020204030204" pitchFamily="34" charset="0"/>
+                <a:ea typeface="Calibri" panose="020F0502020204030204" pitchFamily="34" charset="0"/>
+                <a:cs typeface="Times New Roman" panose="02020603050405020304" pitchFamily="18" charset="0"/>
+              </a:rPr>
               <a:t> </a:t>
             </a:r>
-            <a:r>
-              <a:rPr lang="en-IN" b="1" dirty="0" err="1"/>
-              <a:t>dataSource</a:t>
-            </a:r>
-            <a:r>
-              <a:rPr lang="en-IN" b="1" dirty="0"/>
-              <a:t>; //jdbc:h2:mem:testdb</a:t>
-            </a:r>
-          </a:p>
-          <a:p>
+          </a:p>
+          <a:p>
+            <a:pPr>
+              <a:lnSpc>
+                <a:spcPct val="107000"/>
+              </a:lnSpc>
+              <a:spcAft>
+                <a:spcPts val="800"/>
+              </a:spcAft>
+            </a:pPr>
+            <a:r>
+              <a:rPr lang="en-IN" sz="1800" b="1" dirty="0">
+                <a:solidFill>
+                  <a:srgbClr val="7F0055"/>
+                </a:solidFill>
+                <a:effectLst/>
+                <a:latin typeface="Consolas" panose="020B0609020204030204" pitchFamily="49" charset="0"/>
+                <a:ea typeface="Calibri" panose="020F0502020204030204" pitchFamily="34" charset="0"/>
+                <a:cs typeface="Consolas" panose="020B0609020204030204" pitchFamily="49" charset="0"/>
+              </a:rPr>
+              <a:t>private</a:t>
+            </a:r>
+            <a:r>
+              <a:rPr lang="en-IN" sz="1800" dirty="0">
+                <a:solidFill>
+                  <a:srgbClr val="000000"/>
+                </a:solidFill>
+                <a:effectLst/>
+                <a:latin typeface="Consolas" panose="020B0609020204030204" pitchFamily="49" charset="0"/>
+                <a:ea typeface="Calibri" panose="020F0502020204030204" pitchFamily="34" charset="0"/>
+                <a:cs typeface="Consolas" panose="020B0609020204030204" pitchFamily="49" charset="0"/>
+              </a:rPr>
+              <a:t> </a:t>
+            </a:r>
+            <a:r>
+              <a:rPr lang="en-IN" sz="1800" dirty="0" err="1">
+                <a:solidFill>
+                  <a:srgbClr val="000000"/>
+                </a:solidFill>
+                <a:effectLst/>
+                <a:latin typeface="Consolas" panose="020B0609020204030204" pitchFamily="49" charset="0"/>
+                <a:ea typeface="Calibri" panose="020F0502020204030204" pitchFamily="34" charset="0"/>
+                <a:cs typeface="Consolas" panose="020B0609020204030204" pitchFamily="49" charset="0"/>
+              </a:rPr>
+              <a:t>MyUserDetailsService</a:t>
+            </a:r>
+            <a:r>
+              <a:rPr lang="en-IN" sz="1800" dirty="0">
+                <a:solidFill>
+                  <a:srgbClr val="000000"/>
+                </a:solidFill>
+                <a:effectLst/>
+                <a:latin typeface="Consolas" panose="020B0609020204030204" pitchFamily="49" charset="0"/>
+                <a:ea typeface="Calibri" panose="020F0502020204030204" pitchFamily="34" charset="0"/>
+                <a:cs typeface="Consolas" panose="020B0609020204030204" pitchFamily="49" charset="0"/>
+              </a:rPr>
+              <a:t> </a:t>
+            </a:r>
+            <a:r>
+              <a:rPr lang="en-IN" sz="1800" dirty="0" err="1">
+                <a:solidFill>
+                  <a:srgbClr val="0000C0"/>
+                </a:solidFill>
+                <a:effectLst/>
+                <a:latin typeface="Consolas" panose="020B0609020204030204" pitchFamily="49" charset="0"/>
+                <a:ea typeface="Calibri" panose="020F0502020204030204" pitchFamily="34" charset="0"/>
+                <a:cs typeface="Consolas" panose="020B0609020204030204" pitchFamily="49" charset="0"/>
+              </a:rPr>
+              <a:t>userDetailsService</a:t>
+            </a:r>
+            <a:r>
+              <a:rPr lang="en-IN" sz="1800" dirty="0">
+                <a:solidFill>
+                  <a:srgbClr val="0000C0"/>
+                </a:solidFill>
+                <a:effectLst/>
+                <a:latin typeface="Consolas" panose="020B0609020204030204" pitchFamily="49" charset="0"/>
+                <a:ea typeface="Calibri" panose="020F0502020204030204" pitchFamily="34" charset="0"/>
+                <a:cs typeface="Consolas" panose="020B0609020204030204" pitchFamily="49" charset="0"/>
+              </a:rPr>
+              <a:t>;</a:t>
+            </a:r>
             <a:endParaRPr lang="en-IN" dirty="0">
               <a:solidFill>
                 <a:srgbClr val="646464"/>
@@ -9328,536 +8649,504 @@
             </a:r>
           </a:p>
           <a:p>
-            <a:r>
-              <a:rPr lang="en-IN" b="1" dirty="0">
+            <a:pPr>
+              <a:lnSpc>
+                <a:spcPct val="107000"/>
+              </a:lnSpc>
+              <a:spcAft>
+                <a:spcPts val="800"/>
+              </a:spcAft>
+            </a:pPr>
+            <a:r>
+              <a:rPr lang="en-IN" sz="1800" b="1" dirty="0">
                 <a:solidFill>
                   <a:srgbClr val="7F0055"/>
                 </a:solidFill>
-                <a:latin typeface="Consolas" panose="020B0609020204030204" pitchFamily="49" charset="0"/>
+                <a:effectLst/>
+                <a:latin typeface="Consolas" panose="020B0609020204030204" pitchFamily="49" charset="0"/>
+                <a:ea typeface="Calibri" panose="020F0502020204030204" pitchFamily="34" charset="0"/>
+                <a:cs typeface="Consolas" panose="020B0609020204030204" pitchFamily="49" charset="0"/>
               </a:rPr>
               <a:t>public</a:t>
             </a:r>
             <a:r>
-              <a:rPr lang="en-IN" b="1" dirty="0">
-                <a:solidFill>
-                  <a:srgbClr val="000000"/>
-                </a:solidFill>
-                <a:latin typeface="Consolas" panose="020B0609020204030204" pitchFamily="49" charset="0"/>
+              <a:rPr lang="en-IN" sz="1800" dirty="0">
+                <a:solidFill>
+                  <a:srgbClr val="000000"/>
+                </a:solidFill>
+                <a:effectLst/>
+                <a:latin typeface="Consolas" panose="020B0609020204030204" pitchFamily="49" charset="0"/>
+                <a:ea typeface="Calibri" panose="020F0502020204030204" pitchFamily="34" charset="0"/>
+                <a:cs typeface="Consolas" panose="020B0609020204030204" pitchFamily="49" charset="0"/>
               </a:rPr>
               <a:t> </a:t>
             </a:r>
             <a:r>
-              <a:rPr lang="en-IN" b="1" dirty="0">
+              <a:rPr lang="en-IN" sz="1800" b="1" dirty="0">
                 <a:solidFill>
                   <a:srgbClr val="7F0055"/>
                 </a:solidFill>
-                <a:latin typeface="Consolas" panose="020B0609020204030204" pitchFamily="49" charset="0"/>
+                <a:effectLst/>
+                <a:latin typeface="Consolas" panose="020B0609020204030204" pitchFamily="49" charset="0"/>
+                <a:ea typeface="Calibri" panose="020F0502020204030204" pitchFamily="34" charset="0"/>
+                <a:cs typeface="Consolas" panose="020B0609020204030204" pitchFamily="49" charset="0"/>
               </a:rPr>
               <a:t>void</a:t>
             </a:r>
             <a:r>
-              <a:rPr lang="en-IN" b="1" dirty="0">
-                <a:solidFill>
-                  <a:srgbClr val="000000"/>
-                </a:solidFill>
-                <a:latin typeface="Consolas" panose="020B0609020204030204" pitchFamily="49" charset="0"/>
+              <a:rPr lang="en-IN" sz="1800" dirty="0">
+                <a:solidFill>
+                  <a:srgbClr val="000000"/>
+                </a:solidFill>
+                <a:effectLst/>
+                <a:latin typeface="Consolas" panose="020B0609020204030204" pitchFamily="49" charset="0"/>
+                <a:ea typeface="Calibri" panose="020F0502020204030204" pitchFamily="34" charset="0"/>
+                <a:cs typeface="Consolas" panose="020B0609020204030204" pitchFamily="49" charset="0"/>
               </a:rPr>
               <a:t> configure(</a:t>
             </a:r>
             <a:r>
-              <a:rPr lang="en-IN" b="1" dirty="0" err="1">
-                <a:solidFill>
-                  <a:srgbClr val="000000"/>
-                </a:solidFill>
-                <a:latin typeface="Consolas" panose="020B0609020204030204" pitchFamily="49" charset="0"/>
+              <a:rPr lang="en-IN" sz="1800" dirty="0" err="1">
+                <a:solidFill>
+                  <a:srgbClr val="000000"/>
+                </a:solidFill>
+                <a:effectLst/>
+                <a:latin typeface="Consolas" panose="020B0609020204030204" pitchFamily="49" charset="0"/>
+                <a:ea typeface="Calibri" panose="020F0502020204030204" pitchFamily="34" charset="0"/>
+                <a:cs typeface="Consolas" panose="020B0609020204030204" pitchFamily="49" charset="0"/>
               </a:rPr>
               <a:t>AuthenticationManagerBuilder</a:t>
             </a:r>
             <a:r>
-              <a:rPr lang="en-IN" b="1" dirty="0">
-                <a:solidFill>
-                  <a:srgbClr val="000000"/>
-                </a:solidFill>
-                <a:latin typeface="Consolas" panose="020B0609020204030204" pitchFamily="49" charset="0"/>
+              <a:rPr lang="en-IN" sz="1800" dirty="0">
+                <a:solidFill>
+                  <a:srgbClr val="000000"/>
+                </a:solidFill>
+                <a:effectLst/>
+                <a:latin typeface="Consolas" panose="020B0609020204030204" pitchFamily="49" charset="0"/>
+                <a:ea typeface="Calibri" panose="020F0502020204030204" pitchFamily="34" charset="0"/>
+                <a:cs typeface="Consolas" panose="020B0609020204030204" pitchFamily="49" charset="0"/>
               </a:rPr>
               <a:t> </a:t>
             </a:r>
             <a:r>
-              <a:rPr lang="en-IN" b="1" dirty="0">
+              <a:rPr lang="en-IN" sz="1800" dirty="0">
                 <a:solidFill>
                   <a:srgbClr val="6A3E3E"/>
                 </a:solidFill>
-                <a:latin typeface="Consolas" panose="020B0609020204030204" pitchFamily="49" charset="0"/>
+                <a:effectLst/>
+                <a:latin typeface="Consolas" panose="020B0609020204030204" pitchFamily="49" charset="0"/>
+                <a:ea typeface="Calibri" panose="020F0502020204030204" pitchFamily="34" charset="0"/>
+                <a:cs typeface="Consolas" panose="020B0609020204030204" pitchFamily="49" charset="0"/>
               </a:rPr>
               <a:t>auth</a:t>
             </a:r>
             <a:r>
-              <a:rPr lang="en-IN" b="1" dirty="0">
-                <a:solidFill>
-                  <a:srgbClr val="000000"/>
-                </a:solidFill>
-                <a:latin typeface="Consolas" panose="020B0609020204030204" pitchFamily="49" charset="0"/>
+              <a:rPr lang="en-IN" sz="1800" dirty="0">
+                <a:solidFill>
+                  <a:srgbClr val="000000"/>
+                </a:solidFill>
+                <a:effectLst/>
+                <a:latin typeface="Consolas" panose="020B0609020204030204" pitchFamily="49" charset="0"/>
+                <a:ea typeface="Calibri" panose="020F0502020204030204" pitchFamily="34" charset="0"/>
+                <a:cs typeface="Consolas" panose="020B0609020204030204" pitchFamily="49" charset="0"/>
               </a:rPr>
               <a:t>) </a:t>
             </a:r>
             <a:r>
-              <a:rPr lang="en-IN" b="1" dirty="0">
+              <a:rPr lang="en-IN" sz="1800" b="1" dirty="0">
                 <a:solidFill>
                   <a:srgbClr val="7F0055"/>
                 </a:solidFill>
-                <a:latin typeface="Consolas" panose="020B0609020204030204" pitchFamily="49" charset="0"/>
+                <a:effectLst/>
+                <a:latin typeface="Consolas" panose="020B0609020204030204" pitchFamily="49" charset="0"/>
+                <a:ea typeface="Calibri" panose="020F0502020204030204" pitchFamily="34" charset="0"/>
+                <a:cs typeface="Consolas" panose="020B0609020204030204" pitchFamily="49" charset="0"/>
               </a:rPr>
               <a:t>throws</a:t>
             </a:r>
             <a:r>
-              <a:rPr lang="en-IN" b="1" dirty="0">
-                <a:solidFill>
-                  <a:srgbClr val="000000"/>
-                </a:solidFill>
-                <a:latin typeface="Consolas" panose="020B0609020204030204" pitchFamily="49" charset="0"/>
+              <a:rPr lang="en-IN" sz="1800" dirty="0">
+                <a:solidFill>
+                  <a:srgbClr val="000000"/>
+                </a:solidFill>
+                <a:effectLst/>
+                <a:latin typeface="Consolas" panose="020B0609020204030204" pitchFamily="49" charset="0"/>
+                <a:ea typeface="Calibri" panose="020F0502020204030204" pitchFamily="34" charset="0"/>
+                <a:cs typeface="Consolas" panose="020B0609020204030204" pitchFamily="49" charset="0"/>
               </a:rPr>
               <a:t> Exception</a:t>
             </a:r>
-          </a:p>
-          <a:p>
-            <a:r>
-              <a:rPr lang="en-IN" dirty="0">
-                <a:solidFill>
-                  <a:srgbClr val="000000"/>
-                </a:solidFill>
-                <a:latin typeface="Consolas" panose="020B0609020204030204" pitchFamily="49" charset="0"/>
-              </a:rPr>
-              <a:t>{</a:t>
-            </a:r>
-          </a:p>
-          <a:p>
-            <a:r>
-              <a:rPr lang="en-IN" dirty="0">
+            <a:endParaRPr lang="en-IN" sz="1800" dirty="0">
+              <a:effectLst/>
+              <a:latin typeface="Calibri" panose="020F0502020204030204" pitchFamily="34" charset="0"/>
+              <a:ea typeface="Calibri" panose="020F0502020204030204" pitchFamily="34" charset="0"/>
+              <a:cs typeface="Times New Roman" panose="02020603050405020304" pitchFamily="18" charset="0"/>
+            </a:endParaRPr>
+          </a:p>
+          <a:p>
+            <a:pPr>
+              <a:lnSpc>
+                <a:spcPct val="107000"/>
+              </a:lnSpc>
+              <a:spcAft>
+                <a:spcPts val="800"/>
+              </a:spcAft>
+            </a:pPr>
+            <a:r>
+              <a:rPr lang="en-IN" sz="1800" dirty="0">
+                <a:solidFill>
+                  <a:srgbClr val="000000"/>
+                </a:solidFill>
+                <a:effectLst/>
+                <a:latin typeface="Consolas" panose="020B0609020204030204" pitchFamily="49" charset="0"/>
+                <a:ea typeface="Calibri" panose="020F0502020204030204" pitchFamily="34" charset="0"/>
+                <a:cs typeface="Consolas" panose="020B0609020204030204" pitchFamily="49" charset="0"/>
+              </a:rPr>
+              <a:t>	{</a:t>
+            </a:r>
+            <a:endParaRPr lang="en-IN" sz="1800" dirty="0">
+              <a:effectLst/>
+              <a:latin typeface="Calibri" panose="020F0502020204030204" pitchFamily="34" charset="0"/>
+              <a:ea typeface="Calibri" panose="020F0502020204030204" pitchFamily="34" charset="0"/>
+              <a:cs typeface="Times New Roman" panose="02020603050405020304" pitchFamily="18" charset="0"/>
+            </a:endParaRPr>
+          </a:p>
+          <a:p>
+            <a:pPr>
+              <a:lnSpc>
+                <a:spcPct val="107000"/>
+              </a:lnSpc>
+              <a:spcAft>
+                <a:spcPts val="800"/>
+              </a:spcAft>
+            </a:pPr>
+            <a:r>
+              <a:rPr lang="en-IN" sz="1800" dirty="0">
+                <a:solidFill>
+                  <a:srgbClr val="000000"/>
+                </a:solidFill>
+                <a:effectLst/>
+                <a:latin typeface="Consolas" panose="020B0609020204030204" pitchFamily="49" charset="0"/>
+                <a:ea typeface="Calibri" panose="020F0502020204030204" pitchFamily="34" charset="0"/>
+                <a:cs typeface="Consolas" panose="020B0609020204030204" pitchFamily="49" charset="0"/>
+              </a:rPr>
+              <a:t>		</a:t>
+            </a:r>
+            <a:r>
+              <a:rPr lang="en-IN" sz="1800" dirty="0" err="1">
                 <a:solidFill>
                   <a:srgbClr val="6A3E3E"/>
                 </a:solidFill>
-                <a:latin typeface="Consolas" panose="020B0609020204030204" pitchFamily="49" charset="0"/>
+                <a:effectLst/>
+                <a:latin typeface="Consolas" panose="020B0609020204030204" pitchFamily="49" charset="0"/>
+                <a:ea typeface="Calibri" panose="020F0502020204030204" pitchFamily="34" charset="0"/>
+                <a:cs typeface="Consolas" panose="020B0609020204030204" pitchFamily="49" charset="0"/>
               </a:rPr>
               <a:t>auth</a:t>
             </a:r>
-          </a:p>
-          <a:p>
-            <a:r>
-              <a:rPr lang="en-IN" dirty="0">
-                <a:solidFill>
-                  <a:srgbClr val="000000"/>
-                </a:solidFill>
-                <a:latin typeface="Consolas" panose="020B0609020204030204" pitchFamily="49" charset="0"/>
-              </a:rPr>
-              <a:t>.</a:t>
-            </a:r>
-            <a:r>
-              <a:rPr lang="en-IN" dirty="0" err="1">
-                <a:solidFill>
-                  <a:srgbClr val="000000"/>
-                </a:solidFill>
-                <a:latin typeface="Consolas" panose="020B0609020204030204" pitchFamily="49" charset="0"/>
-              </a:rPr>
-              <a:t>jdbcAuthentication</a:t>
-            </a:r>
-            <a:r>
-              <a:rPr lang="en-IN" dirty="0">
-                <a:solidFill>
-                  <a:srgbClr val="000000"/>
-                </a:solidFill>
-                <a:latin typeface="Consolas" panose="020B0609020204030204" pitchFamily="49" charset="0"/>
-              </a:rPr>
-              <a:t>()</a:t>
-            </a:r>
-          </a:p>
-          <a:p>
-            <a:r>
-              <a:rPr lang="en-IN" dirty="0">
-                <a:solidFill>
-                  <a:srgbClr val="000000"/>
-                </a:solidFill>
-                <a:latin typeface="Consolas" panose="020B0609020204030204" pitchFamily="49" charset="0"/>
-              </a:rPr>
-              <a:t>.</a:t>
-            </a:r>
-            <a:r>
-              <a:rPr lang="en-IN" dirty="0" err="1">
-                <a:solidFill>
-                  <a:srgbClr val="000000"/>
-                </a:solidFill>
-                <a:latin typeface="Consolas" panose="020B0609020204030204" pitchFamily="49" charset="0"/>
-              </a:rPr>
-              <a:t>dataSource</a:t>
-            </a:r>
-            <a:r>
-              <a:rPr lang="en-IN" dirty="0">
-                <a:solidFill>
-                  <a:srgbClr val="000000"/>
-                </a:solidFill>
-                <a:latin typeface="Consolas" panose="020B0609020204030204" pitchFamily="49" charset="0"/>
+            <a:r>
+              <a:rPr lang="en-IN" sz="1800" dirty="0" err="1">
+                <a:solidFill>
+                  <a:srgbClr val="000000"/>
+                </a:solidFill>
+                <a:effectLst/>
+                <a:latin typeface="Consolas" panose="020B0609020204030204" pitchFamily="49" charset="0"/>
+                <a:ea typeface="Calibri" panose="020F0502020204030204" pitchFamily="34" charset="0"/>
+                <a:cs typeface="Consolas" panose="020B0609020204030204" pitchFamily="49" charset="0"/>
+              </a:rPr>
+              <a:t>.userDetailsService</a:t>
+            </a:r>
+            <a:r>
+              <a:rPr lang="en-IN" sz="1800" dirty="0">
+                <a:solidFill>
+                  <a:srgbClr val="000000"/>
+                </a:solidFill>
+                <a:effectLst/>
+                <a:latin typeface="Consolas" panose="020B0609020204030204" pitchFamily="49" charset="0"/>
+                <a:ea typeface="Calibri" panose="020F0502020204030204" pitchFamily="34" charset="0"/>
+                <a:cs typeface="Consolas" panose="020B0609020204030204" pitchFamily="49" charset="0"/>
               </a:rPr>
               <a:t>(</a:t>
             </a:r>
             <a:r>
-              <a:rPr lang="en-IN" dirty="0" err="1">
+              <a:rPr lang="en-IN" sz="1800" dirty="0" err="1">
                 <a:solidFill>
                   <a:srgbClr val="0000C0"/>
                 </a:solidFill>
-                <a:latin typeface="Consolas" panose="020B0609020204030204" pitchFamily="49" charset="0"/>
-              </a:rPr>
-              <a:t>dataSource</a:t>
-            </a:r>
-            <a:r>
-              <a:rPr lang="en-IN" dirty="0">
-                <a:solidFill>
-                  <a:srgbClr val="000000"/>
-                </a:solidFill>
-                <a:latin typeface="Consolas" panose="020B0609020204030204" pitchFamily="49" charset="0"/>
+                <a:effectLst/>
+                <a:latin typeface="Consolas" panose="020B0609020204030204" pitchFamily="49" charset="0"/>
+                <a:ea typeface="Calibri" panose="020F0502020204030204" pitchFamily="34" charset="0"/>
+                <a:cs typeface="Consolas" panose="020B0609020204030204" pitchFamily="49" charset="0"/>
+              </a:rPr>
+              <a:t>userDetailsService</a:t>
+            </a:r>
+            <a:r>
+              <a:rPr lang="en-IN" sz="1800" dirty="0">
+                <a:solidFill>
+                  <a:srgbClr val="000000"/>
+                </a:solidFill>
+                <a:effectLst/>
+                <a:latin typeface="Consolas" panose="020B0609020204030204" pitchFamily="49" charset="0"/>
+                <a:ea typeface="Calibri" panose="020F0502020204030204" pitchFamily="34" charset="0"/>
+                <a:cs typeface="Consolas" panose="020B0609020204030204" pitchFamily="49" charset="0"/>
               </a:rPr>
               <a:t>)</a:t>
             </a:r>
-          </a:p>
-          <a:p>
-            <a:r>
-              <a:rPr lang="en-IN" dirty="0">
-                <a:solidFill>
-                  <a:srgbClr val="000000"/>
-                </a:solidFill>
-                <a:latin typeface="Consolas" panose="020B0609020204030204" pitchFamily="49" charset="0"/>
-              </a:rPr>
-              <a:t>.</a:t>
-            </a:r>
-            <a:r>
-              <a:rPr lang="en-IN" dirty="0" err="1">
-                <a:solidFill>
-                  <a:srgbClr val="000000"/>
-                </a:solidFill>
-                <a:latin typeface="Consolas" panose="020B0609020204030204" pitchFamily="49" charset="0"/>
-              </a:rPr>
-              <a:t>withDefaultSchema</a:t>
-            </a:r>
-            <a:r>
-              <a:rPr lang="en-IN" dirty="0">
-                <a:solidFill>
-                  <a:srgbClr val="000000"/>
-                </a:solidFill>
-                <a:latin typeface="Consolas" panose="020B0609020204030204" pitchFamily="49" charset="0"/>
-              </a:rPr>
-              <a:t>()</a:t>
-            </a:r>
-          </a:p>
-          <a:p>
-            <a:r>
-              <a:rPr lang="en-IN" dirty="0">
-                <a:solidFill>
-                  <a:srgbClr val="000000"/>
-                </a:solidFill>
-                <a:latin typeface="Consolas" panose="020B0609020204030204" pitchFamily="49" charset="0"/>
-              </a:rPr>
-              <a:t>.</a:t>
-            </a:r>
-            <a:r>
-              <a:rPr lang="en-IN" dirty="0" err="1">
-                <a:solidFill>
-                  <a:srgbClr val="000000"/>
-                </a:solidFill>
-                <a:latin typeface="Consolas" panose="020B0609020204030204" pitchFamily="49" charset="0"/>
-              </a:rPr>
-              <a:t>withUser</a:t>
-            </a:r>
-            <a:r>
-              <a:rPr lang="en-IN" dirty="0">
-                <a:solidFill>
-                  <a:srgbClr val="000000"/>
-                </a:solidFill>
-                <a:latin typeface="Consolas" panose="020B0609020204030204" pitchFamily="49" charset="0"/>
+            <a:endParaRPr lang="en-IN" sz="1800" dirty="0">
+              <a:effectLst/>
+              <a:latin typeface="Calibri" panose="020F0502020204030204" pitchFamily="34" charset="0"/>
+              <a:ea typeface="Calibri" panose="020F0502020204030204" pitchFamily="34" charset="0"/>
+              <a:cs typeface="Times New Roman" panose="02020603050405020304" pitchFamily="18" charset="0"/>
+            </a:endParaRPr>
+          </a:p>
+          <a:p>
+            <a:pPr>
+              <a:lnSpc>
+                <a:spcPct val="107000"/>
+              </a:lnSpc>
+              <a:spcAft>
+                <a:spcPts val="800"/>
+              </a:spcAft>
+            </a:pPr>
+            <a:r>
+              <a:rPr lang="en-IN" sz="1800" dirty="0">
+                <a:solidFill>
+                  <a:srgbClr val="000000"/>
+                </a:solidFill>
+                <a:effectLst/>
+                <a:latin typeface="Consolas" panose="020B0609020204030204" pitchFamily="49" charset="0"/>
+                <a:ea typeface="Calibri" panose="020F0502020204030204" pitchFamily="34" charset="0"/>
+                <a:cs typeface="Consolas" panose="020B0609020204030204" pitchFamily="49" charset="0"/>
+              </a:rPr>
+              <a:t>		</a:t>
+            </a:r>
+            <a:r>
+              <a:rPr lang="en-IN" sz="1800" dirty="0">
+                <a:solidFill>
+                  <a:srgbClr val="3F7F5F"/>
+                </a:solidFill>
+                <a:effectLst/>
+                <a:latin typeface="Consolas" panose="020B0609020204030204" pitchFamily="49" charset="0"/>
+                <a:ea typeface="Calibri" panose="020F0502020204030204" pitchFamily="34" charset="0"/>
+                <a:cs typeface="Consolas" panose="020B0609020204030204" pitchFamily="49" charset="0"/>
+              </a:rPr>
+              <a:t>/* calls </a:t>
+            </a:r>
+            <a:r>
+              <a:rPr lang="en-IN" sz="1800" dirty="0" err="1">
+                <a:solidFill>
+                  <a:srgbClr val="3F7F5F"/>
+                </a:solidFill>
+                <a:effectLst/>
+                <a:latin typeface="Consolas" panose="020B0609020204030204" pitchFamily="49" charset="0"/>
+                <a:ea typeface="Calibri" panose="020F0502020204030204" pitchFamily="34" charset="0"/>
+                <a:cs typeface="Consolas" panose="020B0609020204030204" pitchFamily="49" charset="0"/>
+              </a:rPr>
+              <a:t>loadUserByUsername</a:t>
+            </a:r>
+            <a:r>
+              <a:rPr lang="en-IN" sz="1800" dirty="0">
+                <a:solidFill>
+                  <a:srgbClr val="3F7F5F"/>
+                </a:solidFill>
+                <a:effectLst/>
+                <a:latin typeface="Consolas" panose="020B0609020204030204" pitchFamily="49" charset="0"/>
+                <a:ea typeface="Calibri" panose="020F0502020204030204" pitchFamily="34" charset="0"/>
+                <a:cs typeface="Consolas" panose="020B0609020204030204" pitchFamily="49" charset="0"/>
+              </a:rPr>
+              <a:t>(String </a:t>
+            </a:r>
+            <a:r>
+              <a:rPr lang="en-IN" sz="1800" u="sng" dirty="0">
+                <a:solidFill>
+                  <a:srgbClr val="3F7F5F"/>
+                </a:solidFill>
+                <a:effectLst/>
+                <a:latin typeface="Consolas" panose="020B0609020204030204" pitchFamily="49" charset="0"/>
+                <a:ea typeface="Calibri" panose="020F0502020204030204" pitchFamily="34" charset="0"/>
+                <a:cs typeface="Consolas" panose="020B0609020204030204" pitchFamily="49" charset="0"/>
+              </a:rPr>
+              <a:t>username</a:t>
+            </a:r>
+            <a:r>
+              <a:rPr lang="en-IN" sz="1800" dirty="0">
+                <a:solidFill>
+                  <a:srgbClr val="3F7F5F"/>
+                </a:solidFill>
+                <a:effectLst/>
+                <a:latin typeface="Consolas" panose="020B0609020204030204" pitchFamily="49" charset="0"/>
+                <a:ea typeface="Calibri" panose="020F0502020204030204" pitchFamily="34" charset="0"/>
+                <a:cs typeface="Consolas" panose="020B0609020204030204" pitchFamily="49" charset="0"/>
+              </a:rPr>
+              <a:t>), returns the User object with other values */</a:t>
+            </a:r>
+            <a:endParaRPr lang="en-IN" sz="1800" dirty="0">
+              <a:effectLst/>
+              <a:latin typeface="Calibri" panose="020F0502020204030204" pitchFamily="34" charset="0"/>
+              <a:ea typeface="Calibri" panose="020F0502020204030204" pitchFamily="34" charset="0"/>
+              <a:cs typeface="Times New Roman" panose="02020603050405020304" pitchFamily="18" charset="0"/>
+            </a:endParaRPr>
+          </a:p>
+          <a:p>
+            <a:pPr>
+              <a:lnSpc>
+                <a:spcPct val="107000"/>
+              </a:lnSpc>
+              <a:spcAft>
+                <a:spcPts val="800"/>
+              </a:spcAft>
+            </a:pPr>
+            <a:r>
+              <a:rPr lang="en-IN" sz="1800" dirty="0">
+                <a:solidFill>
+                  <a:srgbClr val="000000"/>
+                </a:solidFill>
+                <a:effectLst/>
+                <a:latin typeface="Consolas" panose="020B0609020204030204" pitchFamily="49" charset="0"/>
+                <a:ea typeface="Calibri" panose="020F0502020204030204" pitchFamily="34" charset="0"/>
+                <a:cs typeface="Consolas" panose="020B0609020204030204" pitchFamily="49" charset="0"/>
+              </a:rPr>
+              <a:t>		.</a:t>
+            </a:r>
+            <a:r>
+              <a:rPr lang="en-IN" sz="1800" dirty="0" err="1">
+                <a:solidFill>
+                  <a:srgbClr val="000000"/>
+                </a:solidFill>
+                <a:effectLst/>
+                <a:latin typeface="Consolas" panose="020B0609020204030204" pitchFamily="49" charset="0"/>
+                <a:ea typeface="Calibri" panose="020F0502020204030204" pitchFamily="34" charset="0"/>
+                <a:cs typeface="Consolas" panose="020B0609020204030204" pitchFamily="49" charset="0"/>
+              </a:rPr>
+              <a:t>passwordEncoder</a:t>
+            </a:r>
+            <a:r>
+              <a:rPr lang="en-IN" sz="1800" dirty="0">
+                <a:solidFill>
+                  <a:srgbClr val="000000"/>
+                </a:solidFill>
+                <a:effectLst/>
+                <a:latin typeface="Consolas" panose="020B0609020204030204" pitchFamily="49" charset="0"/>
+                <a:ea typeface="Calibri" panose="020F0502020204030204" pitchFamily="34" charset="0"/>
+                <a:cs typeface="Consolas" panose="020B0609020204030204" pitchFamily="49" charset="0"/>
               </a:rPr>
               <a:t>(</a:t>
             </a:r>
-          </a:p>
-          <a:p>
-            <a:r>
-              <a:rPr lang="en-IN" dirty="0" err="1">
-                <a:solidFill>
-                  <a:srgbClr val="000000"/>
-                </a:solidFill>
-                <a:latin typeface="Consolas" panose="020B0609020204030204" pitchFamily="49" charset="0"/>
-              </a:rPr>
-              <a:t>User.</a:t>
-            </a:r>
-            <a:r>
-              <a:rPr lang="en-IN" i="1" dirty="0" err="1">
-                <a:solidFill>
-                  <a:srgbClr val="000000"/>
-                </a:solidFill>
-                <a:latin typeface="Consolas" panose="020B0609020204030204" pitchFamily="49" charset="0"/>
-              </a:rPr>
-              <a:t>withUsername</a:t>
-            </a:r>
-            <a:r>
-              <a:rPr lang="en-IN" i="1" dirty="0">
-                <a:solidFill>
-                  <a:srgbClr val="000000"/>
-                </a:solidFill>
-                <a:latin typeface="Consolas" panose="020B0609020204030204" pitchFamily="49" charset="0"/>
-              </a:rPr>
-              <a:t>(</a:t>
-            </a:r>
-            <a:r>
-              <a:rPr lang="en-IN" i="1" dirty="0">
-                <a:solidFill>
-                  <a:srgbClr val="2A00FF"/>
-                </a:solidFill>
-                <a:latin typeface="Consolas" panose="020B0609020204030204" pitchFamily="49" charset="0"/>
-              </a:rPr>
-              <a:t>"user2"</a:t>
-            </a:r>
-            <a:r>
-              <a:rPr lang="en-IN" i="1" dirty="0">
-                <a:solidFill>
-                  <a:srgbClr val="000000"/>
-                </a:solidFill>
-                <a:latin typeface="Consolas" panose="020B0609020204030204" pitchFamily="49" charset="0"/>
-              </a:rPr>
-              <a:t>)</a:t>
-            </a:r>
-          </a:p>
-          <a:p>
-            <a:r>
-              <a:rPr lang="en-IN" dirty="0">
-                <a:solidFill>
-                  <a:srgbClr val="000000"/>
-                </a:solidFill>
-                <a:latin typeface="Consolas" panose="020B0609020204030204" pitchFamily="49" charset="0"/>
-              </a:rPr>
-              <a:t>.password(</a:t>
-            </a:r>
-            <a:r>
-              <a:rPr lang="en-IN" dirty="0">
-                <a:solidFill>
-                  <a:srgbClr val="2A00FF"/>
-                </a:solidFill>
-                <a:latin typeface="Consolas" panose="020B0609020204030204" pitchFamily="49" charset="0"/>
-              </a:rPr>
-              <a:t>"{</a:t>
-            </a:r>
-            <a:r>
-              <a:rPr lang="en-IN" dirty="0" err="1">
-                <a:solidFill>
-                  <a:srgbClr val="2A00FF"/>
-                </a:solidFill>
-                <a:latin typeface="Consolas" panose="020B0609020204030204" pitchFamily="49" charset="0"/>
-              </a:rPr>
-              <a:t>noop</a:t>
-            </a:r>
-            <a:r>
-              <a:rPr lang="en-IN" dirty="0">
-                <a:solidFill>
-                  <a:srgbClr val="2A00FF"/>
-                </a:solidFill>
-                <a:latin typeface="Consolas" panose="020B0609020204030204" pitchFamily="49" charset="0"/>
-              </a:rPr>
-              <a:t>}user2"</a:t>
-            </a:r>
-            <a:r>
-              <a:rPr lang="en-IN" dirty="0">
-                <a:solidFill>
-                  <a:srgbClr val="000000"/>
-                </a:solidFill>
-                <a:latin typeface="Consolas" panose="020B0609020204030204" pitchFamily="49" charset="0"/>
-              </a:rPr>
-              <a:t>)</a:t>
-            </a:r>
-          </a:p>
-          <a:p>
-            <a:r>
-              <a:rPr lang="en-IN" dirty="0">
-                <a:solidFill>
-                  <a:srgbClr val="000000"/>
-                </a:solidFill>
-                <a:latin typeface="Consolas" panose="020B0609020204030204" pitchFamily="49" charset="0"/>
-              </a:rPr>
-              <a:t>.roles(</a:t>
-            </a:r>
-            <a:r>
-              <a:rPr lang="en-IN" dirty="0">
-                <a:solidFill>
-                  <a:srgbClr val="2A00FF"/>
-                </a:solidFill>
-                <a:latin typeface="Consolas" panose="020B0609020204030204" pitchFamily="49" charset="0"/>
-              </a:rPr>
-              <a:t>"USER"</a:t>
-            </a:r>
-            <a:r>
-              <a:rPr lang="en-IN" dirty="0">
-                <a:solidFill>
-                  <a:srgbClr val="000000"/>
-                </a:solidFill>
-                <a:latin typeface="Consolas" panose="020B0609020204030204" pitchFamily="49" charset="0"/>
-              </a:rPr>
-              <a:t>)</a:t>
-            </a:r>
-          </a:p>
-          <a:p>
-            <a:r>
-              <a:rPr lang="en-IN" dirty="0">
-                <a:solidFill>
-                  <a:srgbClr val="000000"/>
-                </a:solidFill>
-                <a:latin typeface="Consolas" panose="020B0609020204030204" pitchFamily="49" charset="0"/>
-              </a:rPr>
-              <a:t>)</a:t>
-            </a:r>
-          </a:p>
-          <a:p>
-            <a:r>
-              <a:rPr lang="en-IN" dirty="0">
-                <a:solidFill>
-                  <a:srgbClr val="000000"/>
-                </a:solidFill>
-                <a:latin typeface="Consolas" panose="020B0609020204030204" pitchFamily="49" charset="0"/>
-              </a:rPr>
-              <a:t>.</a:t>
-            </a:r>
-            <a:r>
-              <a:rPr lang="en-IN" dirty="0" err="1">
-                <a:solidFill>
-                  <a:srgbClr val="000000"/>
-                </a:solidFill>
-                <a:latin typeface="Consolas" panose="020B0609020204030204" pitchFamily="49" charset="0"/>
-              </a:rPr>
-              <a:t>withUser</a:t>
-            </a:r>
-            <a:r>
-              <a:rPr lang="en-IN" dirty="0">
-                <a:solidFill>
-                  <a:srgbClr val="000000"/>
-                </a:solidFill>
-                <a:latin typeface="Consolas" panose="020B0609020204030204" pitchFamily="49" charset="0"/>
-              </a:rPr>
-              <a:t>(</a:t>
-            </a:r>
-            <a:r>
-              <a:rPr lang="en-IN" dirty="0" err="1">
-                <a:solidFill>
-                  <a:srgbClr val="000000"/>
-                </a:solidFill>
-                <a:latin typeface="Consolas" panose="020B0609020204030204" pitchFamily="49" charset="0"/>
-              </a:rPr>
-              <a:t>User.</a:t>
-            </a:r>
-            <a:r>
-              <a:rPr lang="en-IN" i="1" dirty="0" err="1">
-                <a:solidFill>
-                  <a:srgbClr val="000000"/>
-                </a:solidFill>
-                <a:latin typeface="Consolas" panose="020B0609020204030204" pitchFamily="49" charset="0"/>
-              </a:rPr>
-              <a:t>withUsername</a:t>
-            </a:r>
-            <a:r>
-              <a:rPr lang="en-IN" i="1" dirty="0">
-                <a:solidFill>
-                  <a:srgbClr val="000000"/>
-                </a:solidFill>
-                <a:latin typeface="Consolas" panose="020B0609020204030204" pitchFamily="49" charset="0"/>
-              </a:rPr>
-              <a:t>(</a:t>
-            </a:r>
-            <a:r>
-              <a:rPr lang="en-IN" i="1" dirty="0">
-                <a:solidFill>
-                  <a:srgbClr val="2A00FF"/>
-                </a:solidFill>
-                <a:latin typeface="Consolas" panose="020B0609020204030204" pitchFamily="49" charset="0"/>
-              </a:rPr>
-              <a:t>"admin1"</a:t>
-            </a:r>
-            <a:r>
-              <a:rPr lang="en-IN" i="1" dirty="0">
-                <a:solidFill>
-                  <a:srgbClr val="000000"/>
-                </a:solidFill>
-                <a:latin typeface="Consolas" panose="020B0609020204030204" pitchFamily="49" charset="0"/>
-              </a:rPr>
-              <a:t>)</a:t>
-            </a:r>
-          </a:p>
-          <a:p>
-            <a:r>
-              <a:rPr lang="en-IN" dirty="0">
-                <a:solidFill>
-                  <a:srgbClr val="000000"/>
-                </a:solidFill>
-                <a:latin typeface="Consolas" panose="020B0609020204030204" pitchFamily="49" charset="0"/>
-              </a:rPr>
-              <a:t>.password(</a:t>
-            </a:r>
-            <a:r>
-              <a:rPr lang="en-IN" dirty="0">
-                <a:solidFill>
-                  <a:srgbClr val="2A00FF"/>
-                </a:solidFill>
-                <a:latin typeface="Consolas" panose="020B0609020204030204" pitchFamily="49" charset="0"/>
-              </a:rPr>
-              <a:t>"{</a:t>
-            </a:r>
-            <a:r>
-              <a:rPr lang="en-IN" dirty="0" err="1">
-                <a:solidFill>
-                  <a:srgbClr val="2A00FF"/>
-                </a:solidFill>
-                <a:latin typeface="Consolas" panose="020B0609020204030204" pitchFamily="49" charset="0"/>
-              </a:rPr>
-              <a:t>noop</a:t>
-            </a:r>
-            <a:r>
-              <a:rPr lang="en-IN" dirty="0">
-                <a:solidFill>
-                  <a:srgbClr val="2A00FF"/>
-                </a:solidFill>
-                <a:latin typeface="Consolas" panose="020B0609020204030204" pitchFamily="49" charset="0"/>
-              </a:rPr>
-              <a:t>}admin1"</a:t>
-            </a:r>
-            <a:r>
-              <a:rPr lang="en-IN" dirty="0">
-                <a:solidFill>
-                  <a:srgbClr val="000000"/>
-                </a:solidFill>
-                <a:latin typeface="Consolas" panose="020B0609020204030204" pitchFamily="49" charset="0"/>
-              </a:rPr>
-              <a:t>)</a:t>
-            </a:r>
-          </a:p>
-          <a:p>
-            <a:r>
-              <a:rPr lang="en-IN" dirty="0">
-                <a:solidFill>
-                  <a:srgbClr val="000000"/>
-                </a:solidFill>
-                <a:latin typeface="Consolas" panose="020B0609020204030204" pitchFamily="49" charset="0"/>
-              </a:rPr>
-              <a:t>.roles(</a:t>
-            </a:r>
-            <a:r>
-              <a:rPr lang="en-IN" dirty="0">
-                <a:solidFill>
-                  <a:srgbClr val="2A00FF"/>
-                </a:solidFill>
-                <a:latin typeface="Consolas" panose="020B0609020204030204" pitchFamily="49" charset="0"/>
-              </a:rPr>
-              <a:t>"ADMIN"</a:t>
-            </a:r>
-            <a:r>
-              <a:rPr lang="en-IN" dirty="0">
-                <a:solidFill>
-                  <a:srgbClr val="000000"/>
-                </a:solidFill>
-                <a:latin typeface="Consolas" panose="020B0609020204030204" pitchFamily="49" charset="0"/>
-              </a:rPr>
-              <a:t>));</a:t>
-            </a:r>
+            <a:r>
+              <a:rPr lang="en-IN" sz="1800" dirty="0" err="1">
+                <a:solidFill>
+                  <a:srgbClr val="000000"/>
+                </a:solidFill>
+                <a:effectLst/>
+                <a:latin typeface="Consolas" panose="020B0609020204030204" pitchFamily="49" charset="0"/>
+                <a:ea typeface="Calibri" panose="020F0502020204030204" pitchFamily="34" charset="0"/>
+                <a:cs typeface="Consolas" panose="020B0609020204030204" pitchFamily="49" charset="0"/>
+              </a:rPr>
+              <a:t>passwordEncoder</a:t>
+            </a:r>
+            <a:r>
+              <a:rPr lang="en-IN" sz="1800" dirty="0">
+                <a:solidFill>
+                  <a:srgbClr val="000000"/>
+                </a:solidFill>
+                <a:effectLst/>
+                <a:latin typeface="Consolas" panose="020B0609020204030204" pitchFamily="49" charset="0"/>
+                <a:ea typeface="Calibri" panose="020F0502020204030204" pitchFamily="34" charset="0"/>
+                <a:cs typeface="Consolas" panose="020B0609020204030204" pitchFamily="49" charset="0"/>
+              </a:rPr>
+              <a:t>());</a:t>
+            </a:r>
+            <a:endParaRPr lang="en-IN" sz="1800" dirty="0">
+              <a:effectLst/>
+              <a:latin typeface="Calibri" panose="020F0502020204030204" pitchFamily="34" charset="0"/>
+              <a:ea typeface="Calibri" panose="020F0502020204030204" pitchFamily="34" charset="0"/>
+              <a:cs typeface="Times New Roman" panose="02020603050405020304" pitchFamily="18" charset="0"/>
+            </a:endParaRPr>
+          </a:p>
+          <a:p>
+            <a:pPr>
+              <a:lnSpc>
+                <a:spcPct val="107000"/>
+              </a:lnSpc>
+              <a:spcAft>
+                <a:spcPts val="800"/>
+              </a:spcAft>
+            </a:pPr>
+            <a:r>
+              <a:rPr lang="en-IN" sz="1800" dirty="0">
+                <a:solidFill>
+                  <a:srgbClr val="000000"/>
+                </a:solidFill>
+                <a:effectLst/>
+                <a:latin typeface="Consolas" panose="020B0609020204030204" pitchFamily="49" charset="0"/>
+                <a:ea typeface="Calibri" panose="020F0502020204030204" pitchFamily="34" charset="0"/>
+                <a:cs typeface="Consolas" panose="020B0609020204030204" pitchFamily="49" charset="0"/>
+              </a:rPr>
+              <a:t>	</a:t>
+            </a:r>
+            <a:endParaRPr lang="en-IN" sz="1800" dirty="0">
+              <a:effectLst/>
+              <a:latin typeface="Calibri" panose="020F0502020204030204" pitchFamily="34" charset="0"/>
+              <a:ea typeface="Calibri" panose="020F0502020204030204" pitchFamily="34" charset="0"/>
+              <a:cs typeface="Times New Roman" panose="02020603050405020304" pitchFamily="18" charset="0"/>
+            </a:endParaRPr>
+          </a:p>
+          <a:p>
+            <a:pPr>
+              <a:lnSpc>
+                <a:spcPct val="107000"/>
+              </a:lnSpc>
+              <a:spcAft>
+                <a:spcPts val="800"/>
+              </a:spcAft>
+            </a:pPr>
+            <a:r>
+              <a:rPr lang="en-IN" sz="1800" dirty="0">
+                <a:solidFill>
+                  <a:srgbClr val="000000"/>
+                </a:solidFill>
+                <a:effectLst/>
+                <a:latin typeface="Consolas" panose="020B0609020204030204" pitchFamily="49" charset="0"/>
+                <a:ea typeface="Calibri" panose="020F0502020204030204" pitchFamily="34" charset="0"/>
+                <a:cs typeface="Consolas" panose="020B0609020204030204" pitchFamily="49" charset="0"/>
+              </a:rPr>
+              <a:t>		</a:t>
+            </a:r>
+            <a:endParaRPr lang="en-IN" sz="1800" dirty="0">
+              <a:effectLst/>
+              <a:latin typeface="Calibri" panose="020F0502020204030204" pitchFamily="34" charset="0"/>
+              <a:ea typeface="Calibri" panose="020F0502020204030204" pitchFamily="34" charset="0"/>
+              <a:cs typeface="Times New Roman" panose="02020603050405020304" pitchFamily="18" charset="0"/>
+            </a:endParaRPr>
+          </a:p>
+          <a:p>
+            <a:pPr>
+              <a:lnSpc>
+                <a:spcPct val="107000"/>
+              </a:lnSpc>
+              <a:spcAft>
+                <a:spcPts val="800"/>
+              </a:spcAft>
+            </a:pPr>
+            <a:r>
+              <a:rPr lang="en-IN" sz="1800" dirty="0">
+                <a:solidFill>
+                  <a:srgbClr val="000000"/>
+                </a:solidFill>
+                <a:effectLst/>
+                <a:latin typeface="Consolas" panose="020B0609020204030204" pitchFamily="49" charset="0"/>
+                <a:ea typeface="Calibri" panose="020F0502020204030204" pitchFamily="34" charset="0"/>
+                <a:cs typeface="Consolas" panose="020B0609020204030204" pitchFamily="49" charset="0"/>
+              </a:rPr>
+              <a:t>	}</a:t>
+            </a:r>
+            <a:endParaRPr lang="en-IN" sz="1800" dirty="0">
+              <a:effectLst/>
+              <a:latin typeface="Calibri" panose="020F0502020204030204" pitchFamily="34" charset="0"/>
+              <a:ea typeface="Calibri" panose="020F0502020204030204" pitchFamily="34" charset="0"/>
+              <a:cs typeface="Times New Roman" panose="02020603050405020304" pitchFamily="18" charset="0"/>
+            </a:endParaRPr>
           </a:p>
           <a:p>
             <a:endParaRPr lang="en-IN" dirty="0">
@@ -9873,512 +9162,6 @@
                 <a:latin typeface="Consolas" panose="020B0609020204030204" pitchFamily="49" charset="0"/>
               </a:rPr>
               <a:t>}</a:t>
-            </a:r>
-            <a:endParaRPr lang="en-IN" dirty="0"/>
-          </a:p>
-        </p:txBody>
-      </p:sp>
-      <p:sp>
-        <p:nvSpPr>
-          <p:cNvPr id="4" name="Rectangle 3">
-            <a:extLst>
-              <a:ext uri="{FF2B5EF4-FFF2-40B4-BE49-F238E27FC236}">
-                <a16:creationId xmlns:a16="http://schemas.microsoft.com/office/drawing/2014/main" id="{631ECED0-97C9-4222-87AA-DCB157720CBE}"/>
-              </a:ext>
-            </a:extLst>
-          </p:cNvPr>
-          <p:cNvSpPr/>
-          <p:nvPr/>
-        </p:nvSpPr>
-        <p:spPr>
-          <a:xfrm>
-            <a:off x="6448425" y="1611690"/>
-            <a:ext cx="6477000" cy="3139321"/>
-          </a:xfrm>
-          <a:prstGeom prst="rect">
-            <a:avLst/>
-          </a:prstGeom>
-        </p:spPr>
-        <p:txBody>
-          <a:bodyPr wrap="square">
-            <a:spAutoFit/>
-          </a:bodyPr>
-          <a:lstStyle/>
-          <a:p>
-            <a:r>
-              <a:rPr lang="en-IN" dirty="0">
-                <a:solidFill>
-                  <a:srgbClr val="008080"/>
-                </a:solidFill>
-                <a:latin typeface="Consolas" panose="020B0609020204030204" pitchFamily="49" charset="0"/>
-              </a:rPr>
-              <a:t>&lt;</a:t>
-            </a:r>
-            <a:r>
-              <a:rPr lang="en-IN" dirty="0">
-                <a:solidFill>
-                  <a:srgbClr val="3F7F7F"/>
-                </a:solidFill>
-                <a:latin typeface="Consolas" panose="020B0609020204030204" pitchFamily="49" charset="0"/>
-              </a:rPr>
-              <a:t>dependency</a:t>
-            </a:r>
-            <a:r>
-              <a:rPr lang="en-IN" dirty="0">
-                <a:solidFill>
-                  <a:srgbClr val="008080"/>
-                </a:solidFill>
-                <a:latin typeface="Consolas" panose="020B0609020204030204" pitchFamily="49" charset="0"/>
-              </a:rPr>
-              <a:t>&gt;</a:t>
-            </a:r>
-          </a:p>
-          <a:p>
-            <a:r>
-              <a:rPr lang="en-IN" dirty="0">
-                <a:solidFill>
-                  <a:srgbClr val="008080"/>
-                </a:solidFill>
-                <a:latin typeface="Consolas" panose="020B0609020204030204" pitchFamily="49" charset="0"/>
-              </a:rPr>
-              <a:t>&lt;</a:t>
-            </a:r>
-            <a:r>
-              <a:rPr lang="en-IN" dirty="0" err="1">
-                <a:solidFill>
-                  <a:srgbClr val="3F7F7F"/>
-                </a:solidFill>
-                <a:latin typeface="Consolas" panose="020B0609020204030204" pitchFamily="49" charset="0"/>
-              </a:rPr>
-              <a:t>groupId</a:t>
-            </a:r>
-            <a:r>
-              <a:rPr lang="en-IN" dirty="0">
-                <a:solidFill>
-                  <a:srgbClr val="008080"/>
-                </a:solidFill>
-                <a:latin typeface="Consolas" panose="020B0609020204030204" pitchFamily="49" charset="0"/>
-              </a:rPr>
-              <a:t>&gt;</a:t>
-            </a:r>
-            <a:r>
-              <a:rPr lang="en-IN" dirty="0">
-                <a:solidFill>
-                  <a:srgbClr val="000000"/>
-                </a:solidFill>
-                <a:latin typeface="Consolas" panose="020B0609020204030204" pitchFamily="49" charset="0"/>
-              </a:rPr>
-              <a:t>com.h2database</a:t>
-            </a:r>
-            <a:r>
-              <a:rPr lang="en-IN" dirty="0">
-                <a:solidFill>
-                  <a:srgbClr val="008080"/>
-                </a:solidFill>
-                <a:latin typeface="Consolas" panose="020B0609020204030204" pitchFamily="49" charset="0"/>
-              </a:rPr>
-              <a:t>&lt;/</a:t>
-            </a:r>
-            <a:r>
-              <a:rPr lang="en-IN" dirty="0" err="1">
-                <a:solidFill>
-                  <a:srgbClr val="3F7F7F"/>
-                </a:solidFill>
-                <a:latin typeface="Consolas" panose="020B0609020204030204" pitchFamily="49" charset="0"/>
-              </a:rPr>
-              <a:t>groupId</a:t>
-            </a:r>
-            <a:r>
-              <a:rPr lang="en-IN" dirty="0">
-                <a:solidFill>
-                  <a:srgbClr val="008080"/>
-                </a:solidFill>
-                <a:latin typeface="Consolas" panose="020B0609020204030204" pitchFamily="49" charset="0"/>
-              </a:rPr>
-              <a:t>&gt;</a:t>
-            </a:r>
-          </a:p>
-          <a:p>
-            <a:r>
-              <a:rPr lang="en-IN" dirty="0">
-                <a:solidFill>
-                  <a:srgbClr val="008080"/>
-                </a:solidFill>
-                <a:latin typeface="Consolas" panose="020B0609020204030204" pitchFamily="49" charset="0"/>
-              </a:rPr>
-              <a:t>&lt;</a:t>
-            </a:r>
-            <a:r>
-              <a:rPr lang="en-IN" dirty="0" err="1">
-                <a:solidFill>
-                  <a:srgbClr val="3F7F7F"/>
-                </a:solidFill>
-                <a:latin typeface="Consolas" panose="020B0609020204030204" pitchFamily="49" charset="0"/>
-              </a:rPr>
-              <a:t>artifactId</a:t>
-            </a:r>
-            <a:r>
-              <a:rPr lang="en-IN" dirty="0">
-                <a:solidFill>
-                  <a:srgbClr val="008080"/>
-                </a:solidFill>
-                <a:latin typeface="Consolas" panose="020B0609020204030204" pitchFamily="49" charset="0"/>
-              </a:rPr>
-              <a:t>&gt;</a:t>
-            </a:r>
-            <a:r>
-              <a:rPr lang="en-IN" dirty="0">
-                <a:solidFill>
-                  <a:srgbClr val="000000"/>
-                </a:solidFill>
-                <a:latin typeface="Consolas" panose="020B0609020204030204" pitchFamily="49" charset="0"/>
-              </a:rPr>
-              <a:t>h2</a:t>
-            </a:r>
-            <a:r>
-              <a:rPr lang="en-IN" dirty="0">
-                <a:solidFill>
-                  <a:srgbClr val="008080"/>
-                </a:solidFill>
-                <a:latin typeface="Consolas" panose="020B0609020204030204" pitchFamily="49" charset="0"/>
-              </a:rPr>
-              <a:t>&lt;/</a:t>
-            </a:r>
-            <a:r>
-              <a:rPr lang="en-IN" dirty="0" err="1">
-                <a:solidFill>
-                  <a:srgbClr val="3F7F7F"/>
-                </a:solidFill>
-                <a:latin typeface="Consolas" panose="020B0609020204030204" pitchFamily="49" charset="0"/>
-              </a:rPr>
-              <a:t>artifactId</a:t>
-            </a:r>
-            <a:r>
-              <a:rPr lang="en-IN" dirty="0">
-                <a:solidFill>
-                  <a:srgbClr val="008080"/>
-                </a:solidFill>
-                <a:latin typeface="Consolas" panose="020B0609020204030204" pitchFamily="49" charset="0"/>
-              </a:rPr>
-              <a:t>&gt;</a:t>
-            </a:r>
-          </a:p>
-          <a:p>
-            <a:r>
-              <a:rPr lang="en-IN" dirty="0">
-                <a:solidFill>
-                  <a:srgbClr val="008080"/>
-                </a:solidFill>
-                <a:latin typeface="Consolas" panose="020B0609020204030204" pitchFamily="49" charset="0"/>
-              </a:rPr>
-              <a:t>&lt;</a:t>
-            </a:r>
-            <a:r>
-              <a:rPr lang="en-IN" dirty="0">
-                <a:solidFill>
-                  <a:srgbClr val="3F7F7F"/>
-                </a:solidFill>
-                <a:latin typeface="Consolas" panose="020B0609020204030204" pitchFamily="49" charset="0"/>
-              </a:rPr>
-              <a:t>scope</a:t>
-            </a:r>
-            <a:r>
-              <a:rPr lang="en-IN" dirty="0">
-                <a:solidFill>
-                  <a:srgbClr val="008080"/>
-                </a:solidFill>
-                <a:latin typeface="Consolas" panose="020B0609020204030204" pitchFamily="49" charset="0"/>
-              </a:rPr>
-              <a:t>&gt;</a:t>
-            </a:r>
-            <a:r>
-              <a:rPr lang="en-IN" dirty="0">
-                <a:solidFill>
-                  <a:srgbClr val="000000"/>
-                </a:solidFill>
-                <a:latin typeface="Consolas" panose="020B0609020204030204" pitchFamily="49" charset="0"/>
-              </a:rPr>
-              <a:t>runtime</a:t>
-            </a:r>
-            <a:r>
-              <a:rPr lang="en-IN" dirty="0">
-                <a:solidFill>
-                  <a:srgbClr val="008080"/>
-                </a:solidFill>
-                <a:latin typeface="Consolas" panose="020B0609020204030204" pitchFamily="49" charset="0"/>
-              </a:rPr>
-              <a:t>&lt;/</a:t>
-            </a:r>
-            <a:r>
-              <a:rPr lang="en-IN" dirty="0">
-                <a:solidFill>
-                  <a:srgbClr val="3F7F7F"/>
-                </a:solidFill>
-                <a:latin typeface="Consolas" panose="020B0609020204030204" pitchFamily="49" charset="0"/>
-              </a:rPr>
-              <a:t>scope</a:t>
-            </a:r>
-            <a:r>
-              <a:rPr lang="en-IN" dirty="0">
-                <a:solidFill>
-                  <a:srgbClr val="008080"/>
-                </a:solidFill>
-                <a:latin typeface="Consolas" panose="020B0609020204030204" pitchFamily="49" charset="0"/>
-              </a:rPr>
-              <a:t>&gt;</a:t>
-            </a:r>
-          </a:p>
-          <a:p>
-            <a:r>
-              <a:rPr lang="en-IN" dirty="0">
-                <a:solidFill>
-                  <a:srgbClr val="008080"/>
-                </a:solidFill>
-                <a:latin typeface="Consolas" panose="020B0609020204030204" pitchFamily="49" charset="0"/>
-              </a:rPr>
-              <a:t>&lt;/</a:t>
-            </a:r>
-            <a:r>
-              <a:rPr lang="en-IN" dirty="0">
-                <a:solidFill>
-                  <a:srgbClr val="3F7F7F"/>
-                </a:solidFill>
-                <a:latin typeface="Consolas" panose="020B0609020204030204" pitchFamily="49" charset="0"/>
-              </a:rPr>
-              <a:t>dependency</a:t>
-            </a:r>
-            <a:r>
-              <a:rPr lang="en-IN" dirty="0">
-                <a:solidFill>
-                  <a:srgbClr val="008080"/>
-                </a:solidFill>
-                <a:latin typeface="Consolas" panose="020B0609020204030204" pitchFamily="49" charset="0"/>
-              </a:rPr>
-              <a:t>&gt;</a:t>
-            </a:r>
-          </a:p>
-          <a:p>
-            <a:r>
-              <a:rPr lang="en-IN" dirty="0">
-                <a:solidFill>
-                  <a:srgbClr val="008080"/>
-                </a:solidFill>
-                <a:latin typeface="Consolas" panose="020B0609020204030204" pitchFamily="49" charset="0"/>
-              </a:rPr>
-              <a:t>&lt;</a:t>
-            </a:r>
-            <a:r>
-              <a:rPr lang="en-IN" dirty="0">
-                <a:solidFill>
-                  <a:srgbClr val="3F7F7F"/>
-                </a:solidFill>
-                <a:latin typeface="Consolas" panose="020B0609020204030204" pitchFamily="49" charset="0"/>
-              </a:rPr>
-              <a:t>dependency</a:t>
-            </a:r>
-            <a:r>
-              <a:rPr lang="en-IN" dirty="0">
-                <a:solidFill>
-                  <a:srgbClr val="008080"/>
-                </a:solidFill>
-                <a:latin typeface="Consolas" panose="020B0609020204030204" pitchFamily="49" charset="0"/>
-              </a:rPr>
-              <a:t>&gt;</a:t>
-            </a:r>
-          </a:p>
-          <a:p>
-            <a:r>
-              <a:rPr lang="en-IN" dirty="0">
-                <a:solidFill>
-                  <a:srgbClr val="000000"/>
-                </a:solidFill>
-                <a:latin typeface="Consolas" panose="020B0609020204030204" pitchFamily="49" charset="0"/>
-              </a:rPr>
-              <a:t>            </a:t>
-            </a:r>
-            <a:r>
-              <a:rPr lang="en-IN" dirty="0">
-                <a:solidFill>
-                  <a:srgbClr val="008080"/>
-                </a:solidFill>
-                <a:latin typeface="Consolas" panose="020B0609020204030204" pitchFamily="49" charset="0"/>
-              </a:rPr>
-              <a:t>&lt;</a:t>
-            </a:r>
-            <a:r>
-              <a:rPr lang="en-IN" dirty="0" err="1">
-                <a:solidFill>
-                  <a:srgbClr val="3F7F7F"/>
-                </a:solidFill>
-                <a:latin typeface="Consolas" panose="020B0609020204030204" pitchFamily="49" charset="0"/>
-              </a:rPr>
-              <a:t>groupId</a:t>
-            </a:r>
-            <a:r>
-              <a:rPr lang="en-IN" dirty="0">
-                <a:solidFill>
-                  <a:srgbClr val="008080"/>
-                </a:solidFill>
-                <a:latin typeface="Consolas" panose="020B0609020204030204" pitchFamily="49" charset="0"/>
-              </a:rPr>
-              <a:t>&gt;</a:t>
-            </a:r>
-            <a:r>
-              <a:rPr lang="en-IN" dirty="0" err="1">
-                <a:solidFill>
-                  <a:srgbClr val="000000"/>
-                </a:solidFill>
-                <a:latin typeface="Consolas" panose="020B0609020204030204" pitchFamily="49" charset="0"/>
-              </a:rPr>
-              <a:t>org.springframework.boot</a:t>
-            </a:r>
-            <a:r>
-              <a:rPr lang="en-IN" dirty="0">
-                <a:solidFill>
-                  <a:srgbClr val="008080"/>
-                </a:solidFill>
-                <a:latin typeface="Consolas" panose="020B0609020204030204" pitchFamily="49" charset="0"/>
-              </a:rPr>
-              <a:t>&lt;/</a:t>
-            </a:r>
-            <a:r>
-              <a:rPr lang="en-IN" dirty="0" err="1">
-                <a:solidFill>
-                  <a:srgbClr val="3F7F7F"/>
-                </a:solidFill>
-                <a:latin typeface="Consolas" panose="020B0609020204030204" pitchFamily="49" charset="0"/>
-              </a:rPr>
-              <a:t>groupId</a:t>
-            </a:r>
-            <a:r>
-              <a:rPr lang="en-IN" dirty="0">
-                <a:solidFill>
-                  <a:srgbClr val="008080"/>
-                </a:solidFill>
-                <a:latin typeface="Consolas" panose="020B0609020204030204" pitchFamily="49" charset="0"/>
-              </a:rPr>
-              <a:t>&gt;</a:t>
-            </a:r>
-          </a:p>
-          <a:p>
-            <a:r>
-              <a:rPr lang="en-IN" dirty="0">
-                <a:solidFill>
-                  <a:srgbClr val="000000"/>
-                </a:solidFill>
-                <a:latin typeface="Consolas" panose="020B0609020204030204" pitchFamily="49" charset="0"/>
-              </a:rPr>
-              <a:t>            </a:t>
-            </a:r>
-            <a:r>
-              <a:rPr lang="en-IN" dirty="0">
-                <a:solidFill>
-                  <a:srgbClr val="008080"/>
-                </a:solidFill>
-                <a:latin typeface="Consolas" panose="020B0609020204030204" pitchFamily="49" charset="0"/>
-              </a:rPr>
-              <a:t>&lt;</a:t>
-            </a:r>
-            <a:r>
-              <a:rPr lang="en-IN" dirty="0" err="1">
-                <a:solidFill>
-                  <a:srgbClr val="3F7F7F"/>
-                </a:solidFill>
-                <a:latin typeface="Consolas" panose="020B0609020204030204" pitchFamily="49" charset="0"/>
-              </a:rPr>
-              <a:t>artifactId</a:t>
-            </a:r>
-            <a:r>
-              <a:rPr lang="en-IN" dirty="0">
-                <a:solidFill>
-                  <a:srgbClr val="008080"/>
-                </a:solidFill>
-                <a:latin typeface="Consolas" panose="020B0609020204030204" pitchFamily="49" charset="0"/>
-              </a:rPr>
-              <a:t>&gt;</a:t>
-            </a:r>
-            <a:r>
-              <a:rPr lang="en-IN" dirty="0">
-                <a:solidFill>
-                  <a:srgbClr val="000000"/>
-                </a:solidFill>
-                <a:latin typeface="Consolas" panose="020B0609020204030204" pitchFamily="49" charset="0"/>
-              </a:rPr>
-              <a:t>spring-boot-starter-</a:t>
-            </a:r>
-            <a:r>
-              <a:rPr lang="en-IN" u="sng" dirty="0" err="1">
-                <a:solidFill>
-                  <a:srgbClr val="000000"/>
-                </a:solidFill>
-                <a:latin typeface="Consolas" panose="020B0609020204030204" pitchFamily="49" charset="0"/>
-              </a:rPr>
-              <a:t>jdbc</a:t>
-            </a:r>
-            <a:r>
-              <a:rPr lang="en-IN" u="sng" dirty="0">
-                <a:solidFill>
-                  <a:srgbClr val="008080"/>
-                </a:solidFill>
-                <a:latin typeface="Consolas" panose="020B0609020204030204" pitchFamily="49" charset="0"/>
-              </a:rPr>
-              <a:t>&lt;/</a:t>
-            </a:r>
-            <a:r>
-              <a:rPr lang="en-IN" u="sng" dirty="0" err="1">
-                <a:solidFill>
-                  <a:srgbClr val="3F7F7F"/>
-                </a:solidFill>
-                <a:latin typeface="Consolas" panose="020B0609020204030204" pitchFamily="49" charset="0"/>
-              </a:rPr>
-              <a:t>artifactId</a:t>
-            </a:r>
-            <a:r>
-              <a:rPr lang="en-IN" u="sng" dirty="0">
-                <a:solidFill>
-                  <a:srgbClr val="008080"/>
-                </a:solidFill>
-                <a:latin typeface="Consolas" panose="020B0609020204030204" pitchFamily="49" charset="0"/>
-              </a:rPr>
-              <a:t>&gt;</a:t>
-            </a:r>
-          </a:p>
-          <a:p>
-            <a:r>
-              <a:rPr lang="en-IN" dirty="0">
-                <a:solidFill>
-                  <a:srgbClr val="000000"/>
-                </a:solidFill>
-                <a:latin typeface="Consolas" panose="020B0609020204030204" pitchFamily="49" charset="0"/>
-              </a:rPr>
-              <a:t>        </a:t>
-            </a:r>
-            <a:r>
-              <a:rPr lang="en-IN" dirty="0">
-                <a:solidFill>
-                  <a:srgbClr val="008080"/>
-                </a:solidFill>
-                <a:latin typeface="Consolas" panose="020B0609020204030204" pitchFamily="49" charset="0"/>
-              </a:rPr>
-              <a:t>&lt;/</a:t>
-            </a:r>
-            <a:r>
-              <a:rPr lang="en-IN" dirty="0">
-                <a:solidFill>
-                  <a:srgbClr val="3F7F7F"/>
-                </a:solidFill>
-                <a:latin typeface="Consolas" panose="020B0609020204030204" pitchFamily="49" charset="0"/>
-              </a:rPr>
-              <a:t>dependency</a:t>
-            </a:r>
-            <a:r>
-              <a:rPr lang="en-IN" dirty="0">
-                <a:solidFill>
-                  <a:srgbClr val="008080"/>
-                </a:solidFill>
-                <a:latin typeface="Consolas" panose="020B0609020204030204" pitchFamily="49" charset="0"/>
-              </a:rPr>
-              <a:t>&gt;</a:t>
             </a:r>
             <a:endParaRPr lang="en-IN" dirty="0"/>
           </a:p>
@@ -10416,308 +9199,598 @@
       </p:grpSpPr>
       <p:sp>
         <p:nvSpPr>
-          <p:cNvPr id="2" name="Rectangle 1">
+          <p:cNvPr id="3" name="TextBox 2">
             <a:extLst>
               <a:ext uri="{FF2B5EF4-FFF2-40B4-BE49-F238E27FC236}">
-                <a16:creationId xmlns:a16="http://schemas.microsoft.com/office/drawing/2014/main" id="{1BA76AED-8E70-4E3B-AAA8-B0DA798090AB}"/>
+                <a16:creationId xmlns:a16="http://schemas.microsoft.com/office/drawing/2014/main" id="{C6A5988D-EDDF-4677-88BB-52043954FAC2}"/>
               </a:ext>
             </a:extLst>
           </p:cNvPr>
-          <p:cNvSpPr/>
+          <p:cNvSpPr txBox="1"/>
           <p:nvPr/>
         </p:nvSpPr>
         <p:spPr>
           <a:xfrm>
-            <a:off x="600075" y="889843"/>
-            <a:ext cx="6096000" cy="5078313"/>
+            <a:off x="1193006" y="1237000"/>
+            <a:ext cx="6100762" cy="2031325"/>
           </a:xfrm>
           <a:prstGeom prst="rect">
             <a:avLst/>
           </a:prstGeom>
+          <a:noFill/>
         </p:spPr>
         <p:txBody>
-          <a:bodyPr>
+          <a:bodyPr wrap="square">
             <a:spAutoFit/>
           </a:bodyPr>
           <a:lstStyle/>
           <a:p>
-            <a:r>
-              <a:rPr lang="en-IN" dirty="0">
-                <a:latin typeface="Consolas" panose="020B0609020204030204" pitchFamily="49" charset="0"/>
-              </a:rPr>
-              <a:t>//create </a:t>
-            </a:r>
-            <a:r>
-              <a:rPr lang="en-IN" dirty="0" err="1">
-                <a:latin typeface="Consolas" panose="020B0609020204030204" pitchFamily="49" charset="0"/>
-              </a:rPr>
-              <a:t>schema.sql</a:t>
-            </a:r>
-            <a:r>
-              <a:rPr lang="en-IN" dirty="0">
-                <a:latin typeface="Consolas" panose="020B0609020204030204" pitchFamily="49" charset="0"/>
-              </a:rPr>
-              <a:t> with the following code</a:t>
-            </a:r>
-          </a:p>
-          <a:p>
-            <a:endParaRPr lang="en-IN" dirty="0">
-              <a:latin typeface="Consolas" panose="020B0609020204030204" pitchFamily="49" charset="0"/>
-            </a:endParaRPr>
-          </a:p>
-          <a:p>
-            <a:r>
-              <a:rPr lang="en-IN" dirty="0">
-                <a:latin typeface="Consolas" panose="020B0609020204030204" pitchFamily="49" charset="0"/>
-              </a:rPr>
-              <a:t>CREATE TABLE users (</a:t>
-            </a:r>
-          </a:p>
-          <a:p>
-            <a:r>
-              <a:rPr lang="en-IN" dirty="0">
+            <a:pPr algn="l"/>
+            <a:r>
+              <a:rPr lang="en-IN" sz="1800" dirty="0">
+                <a:solidFill>
+                  <a:srgbClr val="268BD2"/>
+                </a:solidFill>
+                <a:latin typeface="Consolas" panose="020B0609020204030204" pitchFamily="49" charset="0"/>
+              </a:rPr>
+              <a:t>server</a:t>
+            </a:r>
+            <a:r>
+              <a:rPr lang="en-IN" sz="1800" dirty="0">
+                <a:solidFill>
+                  <a:srgbClr val="000000"/>
+                </a:solidFill>
+                <a:latin typeface="Consolas" panose="020B0609020204030204" pitchFamily="49" charset="0"/>
+              </a:rPr>
+              <a:t>:</a:t>
+            </a:r>
+          </a:p>
+          <a:p>
+            <a:pPr algn="l"/>
+            <a:r>
+              <a:rPr lang="en-IN" sz="1800" dirty="0">
+                <a:solidFill>
+                  <a:srgbClr val="000000"/>
+                </a:solidFill>
                 <a:latin typeface="Consolas" panose="020B0609020204030204" pitchFamily="49" charset="0"/>
               </a:rPr>
               <a:t>  </a:t>
             </a:r>
             <a:r>
-              <a:rPr lang="en-IN" u="sng" dirty="0">
-                <a:solidFill>
-                  <a:srgbClr val="000000"/>
-                </a:solidFill>
-                <a:latin typeface="Consolas" panose="020B0609020204030204" pitchFamily="49" charset="0"/>
-              </a:rPr>
-              <a:t>username VARCHAR(50) NOT NULL,</a:t>
-            </a:r>
-          </a:p>
-          <a:p>
-            <a:r>
-              <a:rPr lang="en-IN" dirty="0">
-                <a:latin typeface="Consolas" panose="020B0609020204030204" pitchFamily="49" charset="0"/>
-              </a:rPr>
-              <a:t>  password VARCHAR(100) NOT NULL,</a:t>
-            </a:r>
-          </a:p>
-          <a:p>
-            <a:r>
-              <a:rPr lang="en-IN" dirty="0">
-                <a:latin typeface="Consolas" panose="020B0609020204030204" pitchFamily="49" charset="0"/>
-              </a:rPr>
-              <a:t>  enabled TINYINT NOT NULL DEFAULT 1,</a:t>
-            </a:r>
-          </a:p>
-          <a:p>
-            <a:r>
-              <a:rPr lang="en-IN" dirty="0">
-                <a:latin typeface="Consolas" panose="020B0609020204030204" pitchFamily="49" charset="0"/>
-              </a:rPr>
-              <a:t>  PRIMARY KEY (</a:t>
-            </a:r>
-            <a:r>
-              <a:rPr lang="en-IN" u="sng" dirty="0">
-                <a:solidFill>
-                  <a:srgbClr val="000000"/>
-                </a:solidFill>
-                <a:latin typeface="Consolas" panose="020B0609020204030204" pitchFamily="49" charset="0"/>
-              </a:rPr>
-              <a:t>username)</a:t>
-            </a:r>
-          </a:p>
-          <a:p>
-            <a:r>
-              <a:rPr lang="en-IN" dirty="0">
-                <a:latin typeface="Consolas" panose="020B0609020204030204" pitchFamily="49" charset="0"/>
-              </a:rPr>
-              <a:t>);</a:t>
-            </a:r>
-          </a:p>
-          <a:p>
-            <a:r>
-              <a:rPr lang="en-IN" dirty="0">
-                <a:latin typeface="Consolas" panose="020B0609020204030204" pitchFamily="49" charset="0"/>
-              </a:rPr>
-              <a:t>   </a:t>
-            </a:r>
-          </a:p>
-          <a:p>
-            <a:r>
-              <a:rPr lang="en-IN" dirty="0">
-                <a:latin typeface="Consolas" panose="020B0609020204030204" pitchFamily="49" charset="0"/>
-              </a:rPr>
-              <a:t>CREATE TABLE authorities (</a:t>
-            </a:r>
-          </a:p>
-          <a:p>
-            <a:r>
-              <a:rPr lang="en-IN" dirty="0">
+              <a:rPr lang="en-IN" sz="1800" dirty="0">
+                <a:solidFill>
+                  <a:srgbClr val="268BD2"/>
+                </a:solidFill>
+                <a:latin typeface="Consolas" panose="020B0609020204030204" pitchFamily="49" charset="0"/>
+              </a:rPr>
+              <a:t>port</a:t>
+            </a:r>
+            <a:r>
+              <a:rPr lang="en-IN" sz="1800" dirty="0">
+                <a:solidFill>
+                  <a:srgbClr val="000000"/>
+                </a:solidFill>
+                <a:latin typeface="Consolas" panose="020B0609020204030204" pitchFamily="49" charset="0"/>
+              </a:rPr>
+              <a:t>: </a:t>
+            </a:r>
+            <a:r>
+              <a:rPr lang="en-IN" sz="1800" dirty="0">
+                <a:solidFill>
+                  <a:srgbClr val="D33682"/>
+                </a:solidFill>
+                <a:latin typeface="Consolas" panose="020B0609020204030204" pitchFamily="49" charset="0"/>
+              </a:rPr>
+              <a:t>8443</a:t>
+            </a:r>
+            <a:r>
+              <a:rPr lang="en-IN" sz="1800" dirty="0">
+                <a:solidFill>
+                  <a:srgbClr val="000000"/>
+                </a:solidFill>
+                <a:latin typeface="Consolas" panose="020B0609020204030204" pitchFamily="49" charset="0"/>
+              </a:rPr>
+              <a:t>                                    </a:t>
+            </a:r>
+          </a:p>
+          <a:p>
+            <a:pPr algn="l"/>
+            <a:r>
+              <a:rPr lang="en-IN" sz="1800" dirty="0">
+                <a:solidFill>
+                  <a:srgbClr val="000000"/>
+                </a:solidFill>
                 <a:latin typeface="Consolas" panose="020B0609020204030204" pitchFamily="49" charset="0"/>
               </a:rPr>
               <a:t>  </a:t>
             </a:r>
             <a:r>
-              <a:rPr lang="en-IN" u="sng" dirty="0">
-                <a:solidFill>
-                  <a:srgbClr val="000000"/>
-                </a:solidFill>
-                <a:latin typeface="Consolas" panose="020B0609020204030204" pitchFamily="49" charset="0"/>
-              </a:rPr>
-              <a:t>username VARCHAR(50) NOT NULL,</a:t>
-            </a:r>
-          </a:p>
-          <a:p>
-            <a:r>
-              <a:rPr lang="en-IN" dirty="0">
-                <a:latin typeface="Consolas" panose="020B0609020204030204" pitchFamily="49" charset="0"/>
-              </a:rPr>
-              <a:t>  authority VARCHAR(50) NOT NULL,</a:t>
-            </a:r>
-          </a:p>
-          <a:p>
-            <a:r>
-              <a:rPr lang="en-IN" dirty="0">
-                <a:latin typeface="Consolas" panose="020B0609020204030204" pitchFamily="49" charset="0"/>
-              </a:rPr>
-              <a:t>  FOREIGN KEY (</a:t>
-            </a:r>
-            <a:r>
-              <a:rPr lang="en-IN" u="sng" dirty="0">
-                <a:solidFill>
-                  <a:srgbClr val="000000"/>
-                </a:solidFill>
-                <a:latin typeface="Consolas" panose="020B0609020204030204" pitchFamily="49" charset="0"/>
-              </a:rPr>
-              <a:t>username) REFERENCES users(username)</a:t>
-            </a:r>
-          </a:p>
-          <a:p>
-            <a:r>
-              <a:rPr lang="en-IN" dirty="0">
-                <a:latin typeface="Consolas" panose="020B0609020204030204" pitchFamily="49" charset="0"/>
-              </a:rPr>
-              <a:t>);</a:t>
-            </a:r>
-          </a:p>
-          <a:p>
-            <a:r>
-              <a:rPr lang="en-IN" dirty="0">
+              <a:rPr lang="en-IN" sz="1800" dirty="0" err="1">
+                <a:solidFill>
+                  <a:srgbClr val="268BD2"/>
+                </a:solidFill>
+                <a:latin typeface="Consolas" panose="020B0609020204030204" pitchFamily="49" charset="0"/>
+              </a:rPr>
+              <a:t>ssl</a:t>
+            </a:r>
+            <a:r>
+              <a:rPr lang="en-IN" sz="1800" dirty="0">
+                <a:solidFill>
+                  <a:srgbClr val="000000"/>
+                </a:solidFill>
+                <a:latin typeface="Consolas" panose="020B0609020204030204" pitchFamily="49" charset="0"/>
+              </a:rPr>
+              <a:t>:</a:t>
+            </a:r>
+          </a:p>
+          <a:p>
+            <a:pPr algn="l"/>
+            <a:r>
+              <a:rPr lang="en-IN" sz="1800" dirty="0">
+                <a:solidFill>
+                  <a:srgbClr val="000000"/>
+                </a:solidFill>
+                <a:latin typeface="Consolas" panose="020B0609020204030204" pitchFamily="49" charset="0"/>
+              </a:rPr>
+              <a:t>    </a:t>
+            </a:r>
+            <a:r>
+              <a:rPr lang="en-IN" sz="1800" dirty="0">
+                <a:solidFill>
+                  <a:srgbClr val="268BD2"/>
+                </a:solidFill>
+                <a:latin typeface="Consolas" panose="020B0609020204030204" pitchFamily="49" charset="0"/>
+              </a:rPr>
+              <a:t>key-alias</a:t>
+            </a:r>
+            <a:r>
+              <a:rPr lang="en-IN" sz="1800" dirty="0">
+                <a:solidFill>
+                  <a:srgbClr val="000000"/>
+                </a:solidFill>
+                <a:latin typeface="Consolas" panose="020B0609020204030204" pitchFamily="49" charset="0"/>
+              </a:rPr>
+              <a:t>: </a:t>
+            </a:r>
+            <a:r>
+              <a:rPr lang="en-IN" sz="1800" dirty="0" err="1">
+                <a:solidFill>
+                  <a:srgbClr val="2AA198"/>
+                </a:solidFill>
+                <a:latin typeface="Consolas" panose="020B0609020204030204" pitchFamily="49" charset="0"/>
+              </a:rPr>
+              <a:t>springboot</a:t>
+            </a:r>
+            <a:r>
+              <a:rPr lang="en-IN" sz="1800" dirty="0">
+                <a:solidFill>
+                  <a:srgbClr val="000000"/>
+                </a:solidFill>
+                <a:latin typeface="Consolas" panose="020B0609020204030204" pitchFamily="49" charset="0"/>
+              </a:rPr>
+              <a:t>                         </a:t>
+            </a:r>
+          </a:p>
+          <a:p>
+            <a:pPr algn="l"/>
+            <a:r>
+              <a:rPr lang="en-IN" sz="1800" dirty="0">
+                <a:solidFill>
+                  <a:srgbClr val="000000"/>
+                </a:solidFill>
+                <a:latin typeface="Consolas" panose="020B0609020204030204" pitchFamily="49" charset="0"/>
+              </a:rPr>
+              <a:t>    </a:t>
+            </a:r>
+            <a:r>
+              <a:rPr lang="en-IN" sz="1800" dirty="0">
+                <a:solidFill>
+                  <a:srgbClr val="268BD2"/>
+                </a:solidFill>
+                <a:latin typeface="Consolas" panose="020B0609020204030204" pitchFamily="49" charset="0"/>
+              </a:rPr>
+              <a:t>key-store</a:t>
+            </a:r>
+            <a:r>
+              <a:rPr lang="en-IN" sz="1800" dirty="0">
+                <a:solidFill>
+                  <a:srgbClr val="000000"/>
+                </a:solidFill>
+                <a:latin typeface="Consolas" panose="020B0609020204030204" pitchFamily="49" charset="0"/>
+              </a:rPr>
+              <a:t>: </a:t>
+            </a:r>
+            <a:r>
+              <a:rPr lang="en-IN" sz="1800" dirty="0">
+                <a:solidFill>
+                  <a:srgbClr val="2AA198"/>
+                </a:solidFill>
+                <a:latin typeface="Consolas" panose="020B0609020204030204" pitchFamily="49" charset="0"/>
+              </a:rPr>
+              <a:t>classpath:springboot.p12</a:t>
+            </a:r>
+            <a:r>
+              <a:rPr lang="en-IN" sz="1800" dirty="0">
+                <a:solidFill>
+                  <a:srgbClr val="000000"/>
+                </a:solidFill>
+                <a:latin typeface="Consolas" panose="020B0609020204030204" pitchFamily="49" charset="0"/>
+              </a:rPr>
+              <a:t>                    </a:t>
+            </a:r>
+          </a:p>
+          <a:p>
+            <a:pPr algn="l"/>
+            <a:r>
+              <a:rPr lang="en-IN" sz="1800" dirty="0">
+                <a:solidFill>
+                  <a:srgbClr val="000000"/>
+                </a:solidFill>
+                <a:latin typeface="Consolas" panose="020B0609020204030204" pitchFamily="49" charset="0"/>
+              </a:rPr>
+              <a:t>    </a:t>
+            </a:r>
+            <a:r>
+              <a:rPr lang="en-IN" sz="1800" dirty="0">
+                <a:solidFill>
+                  <a:srgbClr val="268BD2"/>
+                </a:solidFill>
+                <a:latin typeface="Consolas" panose="020B0609020204030204" pitchFamily="49" charset="0"/>
+              </a:rPr>
+              <a:t>key-store-password</a:t>
+            </a:r>
+            <a:r>
+              <a:rPr lang="en-IN" sz="1800" dirty="0">
+                <a:solidFill>
+                  <a:srgbClr val="000000"/>
+                </a:solidFill>
+                <a:latin typeface="Consolas" panose="020B0609020204030204" pitchFamily="49" charset="0"/>
+              </a:rPr>
+              <a:t>: </a:t>
+            </a:r>
+            <a:r>
+              <a:rPr lang="en-IN" sz="1800" dirty="0">
+                <a:solidFill>
+                  <a:srgbClr val="2AA198"/>
+                </a:solidFill>
+                <a:latin typeface="Consolas" panose="020B0609020204030204" pitchFamily="49" charset="0"/>
+              </a:rPr>
+              <a:t>password</a:t>
+            </a:r>
+            <a:r>
+              <a:rPr lang="en-IN" sz="1800" dirty="0">
+                <a:solidFill>
+                  <a:srgbClr val="000000"/>
+                </a:solidFill>
+                <a:latin typeface="Consolas" panose="020B0609020204030204" pitchFamily="49" charset="0"/>
+              </a:rPr>
+              <a:t>         </a:t>
+            </a:r>
+          </a:p>
+          <a:p>
+            <a:pPr algn="l"/>
+            <a:r>
+              <a:rPr lang="en-IN" sz="1800" dirty="0">
+                <a:solidFill>
+                  <a:srgbClr val="000000"/>
+                </a:solidFill>
+                <a:latin typeface="Consolas" panose="020B0609020204030204" pitchFamily="49" charset="0"/>
+              </a:rPr>
+              <a:t>    </a:t>
+            </a:r>
+            <a:r>
+              <a:rPr lang="en-IN" sz="1800" dirty="0">
+                <a:solidFill>
+                  <a:srgbClr val="268BD2"/>
+                </a:solidFill>
+                <a:latin typeface="Consolas" panose="020B0609020204030204" pitchFamily="49" charset="0"/>
+              </a:rPr>
+              <a:t>key-password</a:t>
+            </a:r>
+            <a:r>
+              <a:rPr lang="en-IN" sz="1800" dirty="0">
+                <a:solidFill>
+                  <a:srgbClr val="000000"/>
+                </a:solidFill>
+                <a:latin typeface="Consolas" panose="020B0609020204030204" pitchFamily="49" charset="0"/>
+              </a:rPr>
+              <a:t>: </a:t>
+            </a:r>
+            <a:r>
+              <a:rPr lang="en-IN" sz="1800" dirty="0">
+                <a:solidFill>
+                  <a:srgbClr val="2AA198"/>
+                </a:solidFill>
+                <a:latin typeface="Consolas" panose="020B0609020204030204" pitchFamily="49" charset="0"/>
+              </a:rPr>
+              <a:t>password</a:t>
+            </a:r>
+            <a:r>
+              <a:rPr lang="en-IN" sz="1800" dirty="0">
+                <a:solidFill>
+                  <a:srgbClr val="000000"/>
+                </a:solidFill>
                 <a:latin typeface="Consolas" panose="020B0609020204030204" pitchFamily="49" charset="0"/>
               </a:rPr>
               <a:t> </a:t>
             </a:r>
-          </a:p>
-          <a:p>
-            <a:r>
-              <a:rPr lang="en-IN" dirty="0">
-                <a:latin typeface="Consolas" panose="020B0609020204030204" pitchFamily="49" charset="0"/>
-              </a:rPr>
-              <a:t>CREATE UNIQUE INDEX </a:t>
-            </a:r>
-            <a:r>
-              <a:rPr lang="en-IN" dirty="0" err="1">
-                <a:latin typeface="Consolas" panose="020B0609020204030204" pitchFamily="49" charset="0"/>
-              </a:rPr>
-              <a:t>ix_auth_username</a:t>
-            </a:r>
-            <a:endParaRPr lang="en-IN" dirty="0">
-              <a:latin typeface="Consolas" panose="020B0609020204030204" pitchFamily="49" charset="0"/>
-            </a:endParaRPr>
-          </a:p>
-          <a:p>
-            <a:r>
-              <a:rPr lang="en-IN" dirty="0">
-                <a:latin typeface="Consolas" panose="020B0609020204030204" pitchFamily="49" charset="0"/>
-              </a:rPr>
-              <a:t>  on authorities (</a:t>
-            </a:r>
-            <a:r>
-              <a:rPr lang="en-IN" u="sng" dirty="0" err="1">
-                <a:solidFill>
-                  <a:srgbClr val="000000"/>
-                </a:solidFill>
-                <a:latin typeface="Consolas" panose="020B0609020204030204" pitchFamily="49" charset="0"/>
-              </a:rPr>
-              <a:t>username,authority</a:t>
-            </a:r>
-            <a:r>
-              <a:rPr lang="en-IN" u="sng" dirty="0">
-                <a:solidFill>
-                  <a:srgbClr val="000000"/>
-                </a:solidFill>
-                <a:latin typeface="Consolas" panose="020B0609020204030204" pitchFamily="49" charset="0"/>
-              </a:rPr>
-              <a:t>);</a:t>
-            </a:r>
             <a:endParaRPr lang="en-IN" dirty="0"/>
           </a:p>
         </p:txBody>
       </p:sp>
       <p:sp>
         <p:nvSpPr>
-          <p:cNvPr id="3" name="Rectangle 2">
+          <p:cNvPr id="4" name="TextBox 3">
             <a:extLst>
               <a:ext uri="{FF2B5EF4-FFF2-40B4-BE49-F238E27FC236}">
-                <a16:creationId xmlns:a16="http://schemas.microsoft.com/office/drawing/2014/main" id="{89EEA29E-B550-44B8-8C23-864ADDA4ECAF}"/>
+                <a16:creationId xmlns:a16="http://schemas.microsoft.com/office/drawing/2014/main" id="{F84B1DBE-A4B9-4978-BF74-3D2062EF28BD}"/>
               </a:ext>
             </a:extLst>
           </p:cNvPr>
-          <p:cNvSpPr/>
+          <p:cNvSpPr txBox="1"/>
           <p:nvPr/>
         </p:nvSpPr>
         <p:spPr>
           <a:xfrm>
-            <a:off x="904875" y="161925"/>
-            <a:ext cx="7277100" cy="666750"/>
+            <a:off x="1000125" y="361950"/>
+            <a:ext cx="6210300" cy="369332"/>
           </a:xfrm>
           <a:prstGeom prst="rect">
             <a:avLst/>
           </a:prstGeom>
+          <a:noFill/>
+        </p:spPr>
+        <p:txBody>
+          <a:bodyPr wrap="square" rtlCol="0">
+            <a:spAutoFit/>
+          </a:bodyPr>
+          <a:lstStyle/>
+          <a:p>
+            <a:r>
+              <a:rPr lang="en-US" dirty="0"/>
+              <a:t>Enabling HTTPs</a:t>
+            </a:r>
+            <a:endParaRPr lang="en-IN" dirty="0"/>
+          </a:p>
+        </p:txBody>
+      </p:sp>
+      <p:sp>
+        <p:nvSpPr>
+          <p:cNvPr id="6" name="TextBox 5">
+            <a:extLst>
+              <a:ext uri="{FF2B5EF4-FFF2-40B4-BE49-F238E27FC236}">
+                <a16:creationId xmlns:a16="http://schemas.microsoft.com/office/drawing/2014/main" id="{6740AA91-94A0-4811-BC06-58B34BD6B6A1}"/>
+              </a:ext>
+            </a:extLst>
+          </p:cNvPr>
+          <p:cNvSpPr txBox="1"/>
+          <p:nvPr/>
+        </p:nvSpPr>
+        <p:spPr>
+          <a:xfrm>
+            <a:off x="488155" y="3589676"/>
+            <a:ext cx="9865519" cy="1477328"/>
+          </a:xfrm>
+          <a:prstGeom prst="rect">
+            <a:avLst/>
+          </a:prstGeom>
+          <a:noFill/>
+        </p:spPr>
+        <p:txBody>
+          <a:bodyPr wrap="square">
+            <a:spAutoFit/>
+          </a:bodyPr>
+          <a:lstStyle/>
+          <a:p>
+            <a:r>
+              <a:rPr lang="en-IN" dirty="0" err="1"/>
+              <a:t>keytool</a:t>
+            </a:r>
+            <a:r>
+              <a:rPr lang="en-IN" dirty="0"/>
+              <a:t> -</a:t>
+            </a:r>
+            <a:r>
+              <a:rPr lang="en-IN" dirty="0" err="1"/>
+              <a:t>genkeypair</a:t>
+            </a:r>
+            <a:r>
+              <a:rPr lang="en-IN" dirty="0"/>
+              <a:t> -alias </a:t>
+            </a:r>
+            <a:r>
+              <a:rPr lang="en-IN" dirty="0" err="1"/>
+              <a:t>springboot</a:t>
+            </a:r>
+            <a:r>
+              <a:rPr lang="en-IN" dirty="0"/>
+              <a:t> -</a:t>
+            </a:r>
+            <a:r>
+              <a:rPr lang="en-IN" dirty="0" err="1"/>
+              <a:t>keyalg</a:t>
+            </a:r>
+            <a:r>
+              <a:rPr lang="en-IN" dirty="0"/>
+              <a:t> RSA -</a:t>
+            </a:r>
+            <a:r>
+              <a:rPr lang="en-IN" dirty="0" err="1"/>
+              <a:t>keysize</a:t>
+            </a:r>
+            <a:r>
+              <a:rPr lang="en-IN" dirty="0"/>
+              <a:t> 4096 -</a:t>
+            </a:r>
+            <a:r>
+              <a:rPr lang="en-IN" dirty="0" err="1"/>
+              <a:t>storetype</a:t>
+            </a:r>
+            <a:r>
+              <a:rPr lang="en-IN" dirty="0"/>
+              <a:t> JKS -keystore </a:t>
+            </a:r>
+            <a:r>
+              <a:rPr lang="en-IN" dirty="0" err="1"/>
+              <a:t>springboot.jks</a:t>
+            </a:r>
+            <a:r>
+              <a:rPr lang="en-IN" dirty="0"/>
+              <a:t> -validity 3650 -</a:t>
+            </a:r>
+            <a:r>
+              <a:rPr lang="en-IN" dirty="0" err="1"/>
+              <a:t>storepass</a:t>
+            </a:r>
+            <a:r>
+              <a:rPr lang="en-IN" dirty="0"/>
+              <a:t> password</a:t>
+            </a:r>
+          </a:p>
+          <a:p>
+            <a:endParaRPr lang="en-IN" dirty="0"/>
+          </a:p>
+          <a:p>
+            <a:r>
+              <a:rPr lang="en-IN" dirty="0" err="1"/>
+              <a:t>keytool</a:t>
+            </a:r>
+            <a:r>
+              <a:rPr lang="en-IN" dirty="0"/>
+              <a:t> -</a:t>
+            </a:r>
+            <a:r>
+              <a:rPr lang="en-IN" dirty="0" err="1"/>
+              <a:t>genkeypair</a:t>
+            </a:r>
+            <a:r>
+              <a:rPr lang="en-IN" dirty="0"/>
+              <a:t> -alias </a:t>
+            </a:r>
+            <a:r>
+              <a:rPr lang="en-IN" dirty="0" err="1"/>
+              <a:t>springboot</a:t>
+            </a:r>
+            <a:r>
+              <a:rPr lang="en-IN" dirty="0"/>
+              <a:t> -</a:t>
+            </a:r>
+            <a:r>
+              <a:rPr lang="en-IN" dirty="0" err="1"/>
+              <a:t>keyalg</a:t>
+            </a:r>
+            <a:r>
+              <a:rPr lang="en-IN" dirty="0"/>
+              <a:t> RSA -</a:t>
+            </a:r>
+            <a:r>
+              <a:rPr lang="en-IN" dirty="0" err="1"/>
+              <a:t>keysize</a:t>
+            </a:r>
+            <a:r>
+              <a:rPr lang="en-IN" dirty="0"/>
+              <a:t> 4096 -</a:t>
+            </a:r>
+            <a:r>
+              <a:rPr lang="en-IN" dirty="0" err="1"/>
+              <a:t>storetype</a:t>
+            </a:r>
+            <a:r>
+              <a:rPr lang="en-IN" dirty="0"/>
+              <a:t> PKCS12 -keystore springboot.p12 -validity 3650 -</a:t>
+            </a:r>
+            <a:r>
+              <a:rPr lang="en-IN" dirty="0" err="1"/>
+              <a:t>storepass</a:t>
+            </a:r>
+            <a:r>
+              <a:rPr lang="en-IN" dirty="0"/>
+              <a:t> password</a:t>
+            </a:r>
+          </a:p>
+        </p:txBody>
+      </p:sp>
+      <p:sp>
+        <p:nvSpPr>
+          <p:cNvPr id="7" name="TextBox 6">
+            <a:extLst>
+              <a:ext uri="{FF2B5EF4-FFF2-40B4-BE49-F238E27FC236}">
+                <a16:creationId xmlns:a16="http://schemas.microsoft.com/office/drawing/2014/main" id="{A9EEB23F-CD6A-410C-B454-E238F83B65CE}"/>
+              </a:ext>
+            </a:extLst>
+          </p:cNvPr>
+          <p:cNvSpPr txBox="1"/>
+          <p:nvPr/>
+        </p:nvSpPr>
+        <p:spPr>
+          <a:xfrm>
+            <a:off x="5857875" y="5067004"/>
+            <a:ext cx="5991225" cy="369332"/>
+          </a:xfrm>
+          <a:prstGeom prst="rect">
+            <a:avLst/>
+          </a:prstGeom>
+          <a:noFill/>
+        </p:spPr>
+        <p:txBody>
+          <a:bodyPr wrap="square" rtlCol="0">
+            <a:spAutoFit/>
+          </a:bodyPr>
+          <a:lstStyle/>
+          <a:p>
+            <a:r>
+              <a:rPr lang="en-US" dirty="0"/>
+              <a:t>Public key cryptographic standards</a:t>
+            </a:r>
+            <a:endParaRPr lang="en-IN" dirty="0"/>
+          </a:p>
+        </p:txBody>
+      </p:sp>
+      <p:cxnSp>
+        <p:nvCxnSpPr>
+          <p:cNvPr id="9" name="Straight Arrow Connector 8">
+            <a:extLst>
+              <a:ext uri="{FF2B5EF4-FFF2-40B4-BE49-F238E27FC236}">
+                <a16:creationId xmlns:a16="http://schemas.microsoft.com/office/drawing/2014/main" id="{4DDB55A2-7470-4D8F-9E47-9C4155295DD1}"/>
+              </a:ext>
+            </a:extLst>
+          </p:cNvPr>
+          <p:cNvCxnSpPr>
+            <a:cxnSpLocks/>
+          </p:cNvCxnSpPr>
+          <p:nvPr/>
+        </p:nvCxnSpPr>
+        <p:spPr>
+          <a:xfrm flipH="1">
+            <a:off x="7400925" y="4751607"/>
+            <a:ext cx="214312" cy="315397"/>
+          </a:xfrm>
+          <a:prstGeom prst="straightConnector1">
+            <a:avLst/>
+          </a:prstGeom>
+          <a:ln>
+            <a:tailEnd type="triangle"/>
+          </a:ln>
         </p:spPr>
         <p:style>
-          <a:lnRef idx="2">
-            <a:schemeClr val="accent6"/>
+          <a:lnRef idx="1">
+            <a:schemeClr val="accent1"/>
           </a:lnRef>
-          <a:fillRef idx="1">
-            <a:schemeClr val="lt1"/>
+          <a:fillRef idx="0">
+            <a:schemeClr val="accent1"/>
           </a:fillRef>
           <a:effectRef idx="0">
-            <a:schemeClr val="accent6"/>
+            <a:schemeClr val="accent1"/>
           </a:effectRef>
           <a:fontRef idx="minor">
-            <a:schemeClr val="dk1"/>
+            <a:schemeClr val="tx1"/>
           </a:fontRef>
         </p:style>
-        <p:txBody>
-          <a:bodyPr rtlCol="0" anchor="ctr"/>
-          <a:lstStyle/>
-          <a:p>
-            <a:pPr algn="ctr"/>
-            <a:r>
-              <a:rPr lang="en-IN" dirty="0"/>
-              <a:t>Using </a:t>
-            </a:r>
-            <a:r>
-              <a:rPr lang="en-IN" dirty="0" err="1"/>
-              <a:t>MySql</a:t>
-            </a:r>
-            <a:r>
-              <a:rPr lang="en-IN" dirty="0"/>
-              <a:t> </a:t>
-            </a:r>
-            <a:r>
-              <a:rPr lang="en-IN" dirty="0" err="1"/>
-              <a:t>db</a:t>
-            </a:r>
-            <a:r>
-              <a:rPr lang="en-IN" dirty="0"/>
-              <a:t> and user defined schema.</a:t>
-            </a:r>
-          </a:p>
-        </p:txBody>
-      </p:sp>
+      </p:cxnSp>
     </p:spTree>
     <p:extLst>
       <p:ext uri="{BB962C8B-B14F-4D97-AF65-F5344CB8AC3E}">
-        <p14:creationId xmlns:p14="http://schemas.microsoft.com/office/powerpoint/2010/main" val="4018096540"/>
+        <p14:creationId xmlns:p14="http://schemas.microsoft.com/office/powerpoint/2010/main" val="3983712503"/>
       </p:ext>
     </p:extLst>
   </p:cSld>
